--- a/jsp/JSP_Servlet_강의_24강_JSTL(JSP standard Tag Library).pptx
+++ b/jsp/JSP_Servlet_강의_24강_JSTL(JSP standard Tag Library).pptx
@@ -224,7 +224,7 @@
             <a:fld id="{20A44449-C531-4B45-A8F0-BC06554877CA}" type="datetimeFigureOut">
               <a:rPr lang="ko-KR" altLang="en-US" smtClean="0"/>
               <a:pPr/>
-              <a:t>2021-11-12</a:t>
+              <a:t>2022-02-14</a:t>
             </a:fld>
             <a:endParaRPr lang="ko-KR" altLang="en-US"/>
           </a:p>
@@ -391,7 +391,7 @@
             <a:fld id="{1EBA1ADC-3FB7-40DA-B2DE-355D9B030C78}" type="datetimeFigureOut">
               <a:rPr lang="ko-KR" altLang="en-US" smtClean="0"/>
               <a:pPr/>
-              <a:t>2021-11-12</a:t>
+              <a:t>2022-02-14</a:t>
             </a:fld>
             <a:endParaRPr lang="ko-KR" altLang="en-US"/>
           </a:p>
@@ -455,38 +455,37 @@
           <a:p>
             <a:pPr lvl="0"/>
             <a:r>
-              <a:rPr lang="ko-KR" altLang="en-US" smtClean="0"/>
+              <a:rPr lang="ko-KR" altLang="en-US"/>
               <a:t>마스터 텍스트 스타일을 편집합니다</a:t>
             </a:r>
           </a:p>
           <a:p>
             <a:pPr lvl="1"/>
             <a:r>
-              <a:rPr lang="ko-KR" altLang="en-US" smtClean="0"/>
+              <a:rPr lang="ko-KR" altLang="en-US"/>
               <a:t>둘째 수준</a:t>
             </a:r>
           </a:p>
           <a:p>
             <a:pPr lvl="2"/>
             <a:r>
-              <a:rPr lang="ko-KR" altLang="en-US" smtClean="0"/>
+              <a:rPr lang="ko-KR" altLang="en-US"/>
               <a:t>셋째 수준</a:t>
             </a:r>
           </a:p>
           <a:p>
             <a:pPr lvl="3"/>
             <a:r>
-              <a:rPr lang="ko-KR" altLang="en-US" smtClean="0"/>
+              <a:rPr lang="ko-KR" altLang="en-US"/>
               <a:t>넷째 수준</a:t>
             </a:r>
           </a:p>
           <a:p>
             <a:pPr lvl="4"/>
             <a:r>
-              <a:rPr lang="ko-KR" altLang="en-US" smtClean="0"/>
+              <a:rPr lang="ko-KR" altLang="en-US"/>
               <a:t>다섯째 수준</a:t>
             </a:r>
-            <a:endParaRPr lang="ko-KR" altLang="en-US"/>
           </a:p>
         </p:txBody>
       </p:sp>
@@ -702,10 +701,9 @@
           </a:lstStyle>
           <a:p>
             <a:r>
-              <a:rPr lang="ko-KR" altLang="en-US" smtClean="0"/>
+              <a:rPr lang="ko-KR" altLang="en-US"/>
               <a:t>마스터 제목 스타일 편집</a:t>
             </a:r>
-            <a:endParaRPr lang="ko-KR" altLang="en-US"/>
           </a:p>
         </p:txBody>
       </p:sp>
@@ -767,10 +765,9 @@
           </a:lstStyle>
           <a:p>
             <a:r>
-              <a:rPr lang="ko-KR" altLang="en-US" smtClean="0"/>
+              <a:rPr lang="ko-KR" altLang="en-US"/>
               <a:t>마스터 부제목 스타일 편집</a:t>
             </a:r>
-            <a:endParaRPr lang="ko-KR" altLang="en-US"/>
           </a:p>
         </p:txBody>
       </p:sp>
@@ -792,7 +789,7 @@
             <a:fld id="{245FE9EB-5882-4F14-9D7A-E43319FAAE5D}" type="datetime1">
               <a:rPr lang="ko-KR" altLang="en-US" smtClean="0"/>
               <a:pPr/>
-              <a:t>2021-11-12</a:t>
+              <a:t>2022-02-14</a:t>
             </a:fld>
             <a:endParaRPr lang="ko-KR" altLang="en-US"/>
           </a:p>
@@ -896,10 +893,9 @@
           </a:lstStyle>
           <a:p>
             <a:r>
-              <a:rPr lang="ko-KR" altLang="en-US" smtClean="0"/>
+              <a:rPr lang="ko-KR" altLang="en-US"/>
               <a:t>마스터 제목 스타일 편집</a:t>
             </a:r>
-            <a:endParaRPr lang="ko-KR" altLang="en-US"/>
           </a:p>
         </p:txBody>
       </p:sp>
@@ -1023,7 +1019,7 @@
           <a:p>
             <a:pPr lvl="0"/>
             <a:r>
-              <a:rPr lang="ko-KR" altLang="en-US" smtClean="0"/>
+              <a:rPr lang="ko-KR" altLang="en-US"/>
               <a:t>마스터 텍스트 스타일을 편집합니다</a:t>
             </a:r>
           </a:p>
@@ -1047,7 +1043,7 @@
             <a:fld id="{148E5BE4-290A-4A67-9142-8569AAC90C2F}" type="datetime1">
               <a:rPr lang="ko-KR" altLang="en-US" smtClean="0"/>
               <a:pPr/>
-              <a:t>2021-11-12</a:t>
+              <a:t>2022-02-14</a:t>
             </a:fld>
             <a:endParaRPr lang="ko-KR" altLang="en-US"/>
           </a:p>
@@ -1142,10 +1138,9 @@
           <a:lstStyle/>
           <a:p>
             <a:r>
-              <a:rPr lang="ko-KR" altLang="en-US" smtClean="0"/>
+              <a:rPr lang="ko-KR" altLang="en-US"/>
               <a:t>마스터 제목 스타일 편집</a:t>
             </a:r>
-            <a:endParaRPr lang="ko-KR" altLang="en-US"/>
           </a:p>
         </p:txBody>
       </p:sp>
@@ -1166,38 +1161,37 @@
           <a:p>
             <a:pPr lvl="0"/>
             <a:r>
-              <a:rPr lang="ko-KR" altLang="en-US" smtClean="0"/>
+              <a:rPr lang="ko-KR" altLang="en-US"/>
               <a:t>마스터 텍스트 스타일을 편집합니다</a:t>
             </a:r>
           </a:p>
           <a:p>
             <a:pPr lvl="1"/>
             <a:r>
-              <a:rPr lang="ko-KR" altLang="en-US" smtClean="0"/>
+              <a:rPr lang="ko-KR" altLang="en-US"/>
               <a:t>둘째 수준</a:t>
             </a:r>
           </a:p>
           <a:p>
             <a:pPr lvl="2"/>
             <a:r>
-              <a:rPr lang="ko-KR" altLang="en-US" smtClean="0"/>
+              <a:rPr lang="ko-KR" altLang="en-US"/>
               <a:t>셋째 수준</a:t>
             </a:r>
           </a:p>
           <a:p>
             <a:pPr lvl="3"/>
             <a:r>
-              <a:rPr lang="ko-KR" altLang="en-US" smtClean="0"/>
+              <a:rPr lang="ko-KR" altLang="en-US"/>
               <a:t>넷째 수준</a:t>
             </a:r>
           </a:p>
           <a:p>
             <a:pPr lvl="4"/>
             <a:r>
-              <a:rPr lang="ko-KR" altLang="en-US" smtClean="0"/>
+              <a:rPr lang="ko-KR" altLang="en-US"/>
               <a:t>다섯째 수준</a:t>
             </a:r>
-            <a:endParaRPr lang="ko-KR" altLang="en-US"/>
           </a:p>
         </p:txBody>
       </p:sp>
@@ -1219,7 +1213,7 @@
             <a:fld id="{AABD7AA9-974F-41EE-AA93-9A7D5FC26AF0}" type="datetime1">
               <a:rPr lang="ko-KR" altLang="en-US" smtClean="0"/>
               <a:pPr/>
-              <a:t>2021-11-12</a:t>
+              <a:t>2022-02-14</a:t>
             </a:fld>
             <a:endParaRPr lang="ko-KR" altLang="en-US"/>
           </a:p>
@@ -1319,10 +1313,9 @@
           <a:lstStyle/>
           <a:p>
             <a:r>
-              <a:rPr lang="ko-KR" altLang="en-US" smtClean="0"/>
+              <a:rPr lang="ko-KR" altLang="en-US"/>
               <a:t>마스터 제목 스타일 편집</a:t>
             </a:r>
-            <a:endParaRPr lang="ko-KR" altLang="en-US"/>
           </a:p>
         </p:txBody>
       </p:sp>
@@ -1348,38 +1341,37 @@
           <a:p>
             <a:pPr lvl="0"/>
             <a:r>
-              <a:rPr lang="ko-KR" altLang="en-US" smtClean="0"/>
+              <a:rPr lang="ko-KR" altLang="en-US"/>
               <a:t>마스터 텍스트 스타일을 편집합니다</a:t>
             </a:r>
           </a:p>
           <a:p>
             <a:pPr lvl="1"/>
             <a:r>
-              <a:rPr lang="ko-KR" altLang="en-US" smtClean="0"/>
+              <a:rPr lang="ko-KR" altLang="en-US"/>
               <a:t>둘째 수준</a:t>
             </a:r>
           </a:p>
           <a:p>
             <a:pPr lvl="2"/>
             <a:r>
-              <a:rPr lang="ko-KR" altLang="en-US" smtClean="0"/>
+              <a:rPr lang="ko-KR" altLang="en-US"/>
               <a:t>셋째 수준</a:t>
             </a:r>
           </a:p>
           <a:p>
             <a:pPr lvl="3"/>
             <a:r>
-              <a:rPr lang="ko-KR" altLang="en-US" smtClean="0"/>
+              <a:rPr lang="ko-KR" altLang="en-US"/>
               <a:t>넷째 수준</a:t>
             </a:r>
           </a:p>
           <a:p>
             <a:pPr lvl="4"/>
             <a:r>
-              <a:rPr lang="ko-KR" altLang="en-US" smtClean="0"/>
+              <a:rPr lang="ko-KR" altLang="en-US"/>
               <a:t>다섯째 수준</a:t>
             </a:r>
-            <a:endParaRPr lang="ko-KR" altLang="en-US"/>
           </a:p>
         </p:txBody>
       </p:sp>
@@ -1401,7 +1393,7 @@
             <a:fld id="{CA6778F7-13A7-47A7-A538-4854C83EAB76}" type="datetime1">
               <a:rPr lang="ko-KR" altLang="en-US" smtClean="0"/>
               <a:pPr/>
-              <a:t>2021-11-12</a:t>
+              <a:t>2022-02-14</a:t>
             </a:fld>
             <a:endParaRPr lang="ko-KR" altLang="en-US"/>
           </a:p>
@@ -1496,10 +1488,9 @@
           <a:lstStyle/>
           <a:p>
             <a:r>
-              <a:rPr lang="ko-KR" altLang="en-US" smtClean="0"/>
+              <a:rPr lang="ko-KR" altLang="en-US"/>
               <a:t>마스터 제목 스타일 편집</a:t>
             </a:r>
-            <a:endParaRPr lang="ko-KR" altLang="en-US"/>
           </a:p>
         </p:txBody>
       </p:sp>
@@ -1520,38 +1511,37 @@
           <a:p>
             <a:pPr lvl="0"/>
             <a:r>
-              <a:rPr lang="ko-KR" altLang="en-US" smtClean="0"/>
+              <a:rPr lang="ko-KR" altLang="en-US"/>
               <a:t>마스터 텍스트 스타일을 편집합니다</a:t>
             </a:r>
           </a:p>
           <a:p>
             <a:pPr lvl="1"/>
             <a:r>
-              <a:rPr lang="ko-KR" altLang="en-US" smtClean="0"/>
+              <a:rPr lang="ko-KR" altLang="en-US"/>
               <a:t>둘째 수준</a:t>
             </a:r>
           </a:p>
           <a:p>
             <a:pPr lvl="2"/>
             <a:r>
-              <a:rPr lang="ko-KR" altLang="en-US" smtClean="0"/>
+              <a:rPr lang="ko-KR" altLang="en-US"/>
               <a:t>셋째 수준</a:t>
             </a:r>
           </a:p>
           <a:p>
             <a:pPr lvl="3"/>
             <a:r>
-              <a:rPr lang="ko-KR" altLang="en-US" smtClean="0"/>
+              <a:rPr lang="ko-KR" altLang="en-US"/>
               <a:t>넷째 수준</a:t>
             </a:r>
           </a:p>
           <a:p>
             <a:pPr lvl="4"/>
             <a:r>
-              <a:rPr lang="ko-KR" altLang="en-US" smtClean="0"/>
+              <a:rPr lang="ko-KR" altLang="en-US"/>
               <a:t>다섯째 수준</a:t>
             </a:r>
-            <a:endParaRPr lang="ko-KR" altLang="en-US"/>
           </a:p>
         </p:txBody>
       </p:sp>
@@ -1573,7 +1563,7 @@
             <a:fld id="{97E9BB34-6711-40F2-9C7B-47A61743D4AD}" type="datetime1">
               <a:rPr lang="ko-KR" altLang="en-US" smtClean="0"/>
               <a:pPr/>
-              <a:t>2021-11-12</a:t>
+              <a:t>2022-02-14</a:t>
             </a:fld>
             <a:endParaRPr lang="ko-KR" altLang="en-US"/>
           </a:p>
@@ -1677,10 +1667,9 @@
           </a:lstStyle>
           <a:p>
             <a:r>
-              <a:rPr lang="ko-KR" altLang="en-US" smtClean="0"/>
+              <a:rPr lang="ko-KR" altLang="en-US"/>
               <a:t>마스터 제목 스타일 편집</a:t>
             </a:r>
-            <a:endParaRPr lang="ko-KR" altLang="en-US"/>
           </a:p>
         </p:txBody>
       </p:sp>
@@ -1797,7 +1786,7 @@
           <a:p>
             <a:pPr lvl="0"/>
             <a:r>
-              <a:rPr lang="ko-KR" altLang="en-US" smtClean="0"/>
+              <a:rPr lang="ko-KR" altLang="en-US"/>
               <a:t>마스터 텍스트 스타일을 편집합니다</a:t>
             </a:r>
           </a:p>
@@ -1821,7 +1810,7 @@
             <a:fld id="{01BE0FF5-5FAF-43AE-9E0C-CC3EA1B81862}" type="datetime1">
               <a:rPr lang="ko-KR" altLang="en-US" smtClean="0"/>
               <a:pPr/>
-              <a:t>2021-11-12</a:t>
+              <a:t>2022-02-14</a:t>
             </a:fld>
             <a:endParaRPr lang="ko-KR" altLang="en-US"/>
           </a:p>
@@ -1916,10 +1905,9 @@
           <a:lstStyle/>
           <a:p>
             <a:r>
-              <a:rPr lang="ko-KR" altLang="en-US" smtClean="0"/>
+              <a:rPr lang="ko-KR" altLang="en-US"/>
               <a:t>마스터 제목 스타일 편집</a:t>
             </a:r>
-            <a:endParaRPr lang="ko-KR" altLang="en-US"/>
           </a:p>
         </p:txBody>
       </p:sp>
@@ -1945,38 +1933,37 @@
           <a:p>
             <a:pPr lvl="0"/>
             <a:r>
-              <a:rPr lang="ko-KR" altLang="en-US" smtClean="0"/>
+              <a:rPr lang="ko-KR" altLang="en-US"/>
               <a:t>마스터 텍스트 스타일을 편집합니다</a:t>
             </a:r>
           </a:p>
           <a:p>
             <a:pPr lvl="1"/>
             <a:r>
-              <a:rPr lang="ko-KR" altLang="en-US" smtClean="0"/>
+              <a:rPr lang="ko-KR" altLang="en-US"/>
               <a:t>둘째 수준</a:t>
             </a:r>
           </a:p>
           <a:p>
             <a:pPr lvl="2"/>
             <a:r>
-              <a:rPr lang="ko-KR" altLang="en-US" smtClean="0"/>
+              <a:rPr lang="ko-KR" altLang="en-US"/>
               <a:t>셋째 수준</a:t>
             </a:r>
           </a:p>
           <a:p>
             <a:pPr lvl="3"/>
             <a:r>
-              <a:rPr lang="ko-KR" altLang="en-US" smtClean="0"/>
+              <a:rPr lang="ko-KR" altLang="en-US"/>
               <a:t>넷째 수준</a:t>
             </a:r>
           </a:p>
           <a:p>
             <a:pPr lvl="4"/>
             <a:r>
-              <a:rPr lang="ko-KR" altLang="en-US" smtClean="0"/>
+              <a:rPr lang="ko-KR" altLang="en-US"/>
               <a:t>다섯째 수준</a:t>
             </a:r>
-            <a:endParaRPr lang="ko-KR" altLang="en-US"/>
           </a:p>
         </p:txBody>
       </p:sp>
@@ -2002,38 +1989,37 @@
           <a:p>
             <a:pPr lvl="0"/>
             <a:r>
-              <a:rPr lang="ko-KR" altLang="en-US" smtClean="0"/>
+              <a:rPr lang="ko-KR" altLang="en-US"/>
               <a:t>마스터 텍스트 스타일을 편집합니다</a:t>
             </a:r>
           </a:p>
           <a:p>
             <a:pPr lvl="1"/>
             <a:r>
-              <a:rPr lang="ko-KR" altLang="en-US" smtClean="0"/>
+              <a:rPr lang="ko-KR" altLang="en-US"/>
               <a:t>둘째 수준</a:t>
             </a:r>
           </a:p>
           <a:p>
             <a:pPr lvl="2"/>
             <a:r>
-              <a:rPr lang="ko-KR" altLang="en-US" smtClean="0"/>
+              <a:rPr lang="ko-KR" altLang="en-US"/>
               <a:t>셋째 수준</a:t>
             </a:r>
           </a:p>
           <a:p>
             <a:pPr lvl="3"/>
             <a:r>
-              <a:rPr lang="ko-KR" altLang="en-US" smtClean="0"/>
+              <a:rPr lang="ko-KR" altLang="en-US"/>
               <a:t>넷째 수준</a:t>
             </a:r>
           </a:p>
           <a:p>
             <a:pPr lvl="4"/>
             <a:r>
-              <a:rPr lang="ko-KR" altLang="en-US" smtClean="0"/>
+              <a:rPr lang="ko-KR" altLang="en-US"/>
               <a:t>다섯째 수준</a:t>
             </a:r>
-            <a:endParaRPr lang="ko-KR" altLang="en-US"/>
           </a:p>
         </p:txBody>
       </p:sp>
@@ -2055,7 +2041,7 @@
             <a:fld id="{DAF9AB40-AB99-4455-AC5A-01B404C2C00C}" type="datetime1">
               <a:rPr lang="ko-KR" altLang="en-US" smtClean="0"/>
               <a:pPr/>
-              <a:t>2021-11-12</a:t>
+              <a:t>2022-02-14</a:t>
             </a:fld>
             <a:endParaRPr lang="ko-KR" altLang="en-US"/>
           </a:p>
@@ -2155,10 +2141,9 @@
           <a:lstStyle/>
           <a:p>
             <a:r>
-              <a:rPr lang="ko-KR" altLang="en-US" smtClean="0"/>
+              <a:rPr lang="ko-KR" altLang="en-US"/>
               <a:t>마스터 제목 스타일 편집</a:t>
             </a:r>
-            <a:endParaRPr lang="ko-KR" altLang="en-US"/>
           </a:p>
         </p:txBody>
       </p:sp>
@@ -2221,7 +2206,7 @@
           <a:p>
             <a:pPr lvl="0"/>
             <a:r>
-              <a:rPr lang="ko-KR" altLang="en-US" smtClean="0"/>
+              <a:rPr lang="ko-KR" altLang="en-US"/>
               <a:t>마스터 텍스트 스타일을 편집합니다</a:t>
             </a:r>
           </a:p>
@@ -2249,38 +2234,37 @@
           <a:p>
             <a:pPr lvl="0"/>
             <a:r>
-              <a:rPr lang="ko-KR" altLang="en-US" smtClean="0"/>
+              <a:rPr lang="ko-KR" altLang="en-US"/>
               <a:t>마스터 텍스트 스타일을 편집합니다</a:t>
             </a:r>
           </a:p>
           <a:p>
             <a:pPr lvl="1"/>
             <a:r>
-              <a:rPr lang="ko-KR" altLang="en-US" smtClean="0"/>
+              <a:rPr lang="ko-KR" altLang="en-US"/>
               <a:t>둘째 수준</a:t>
             </a:r>
           </a:p>
           <a:p>
             <a:pPr lvl="2"/>
             <a:r>
-              <a:rPr lang="ko-KR" altLang="en-US" smtClean="0"/>
+              <a:rPr lang="ko-KR" altLang="en-US"/>
               <a:t>셋째 수준</a:t>
             </a:r>
           </a:p>
           <a:p>
             <a:pPr lvl="3"/>
             <a:r>
-              <a:rPr lang="ko-KR" altLang="en-US" smtClean="0"/>
+              <a:rPr lang="ko-KR" altLang="en-US"/>
               <a:t>넷째 수준</a:t>
             </a:r>
           </a:p>
           <a:p>
             <a:pPr lvl="4"/>
             <a:r>
-              <a:rPr lang="ko-KR" altLang="en-US" smtClean="0"/>
+              <a:rPr lang="ko-KR" altLang="en-US"/>
               <a:t>다섯째 수준</a:t>
             </a:r>
-            <a:endParaRPr lang="ko-KR" altLang="en-US"/>
           </a:p>
         </p:txBody>
       </p:sp>
@@ -2343,7 +2327,7 @@
           <a:p>
             <a:pPr lvl="0"/>
             <a:r>
-              <a:rPr lang="ko-KR" altLang="en-US" smtClean="0"/>
+              <a:rPr lang="ko-KR" altLang="en-US"/>
               <a:t>마스터 텍스트 스타일을 편집합니다</a:t>
             </a:r>
           </a:p>
@@ -2371,38 +2355,37 @@
           <a:p>
             <a:pPr lvl="0"/>
             <a:r>
-              <a:rPr lang="ko-KR" altLang="en-US" smtClean="0"/>
+              <a:rPr lang="ko-KR" altLang="en-US"/>
               <a:t>마스터 텍스트 스타일을 편집합니다</a:t>
             </a:r>
           </a:p>
           <a:p>
             <a:pPr lvl="1"/>
             <a:r>
-              <a:rPr lang="ko-KR" altLang="en-US" smtClean="0"/>
+              <a:rPr lang="ko-KR" altLang="en-US"/>
               <a:t>둘째 수준</a:t>
             </a:r>
           </a:p>
           <a:p>
             <a:pPr lvl="2"/>
             <a:r>
-              <a:rPr lang="ko-KR" altLang="en-US" smtClean="0"/>
+              <a:rPr lang="ko-KR" altLang="en-US"/>
               <a:t>셋째 수준</a:t>
             </a:r>
           </a:p>
           <a:p>
             <a:pPr lvl="3"/>
             <a:r>
-              <a:rPr lang="ko-KR" altLang="en-US" smtClean="0"/>
+              <a:rPr lang="ko-KR" altLang="en-US"/>
               <a:t>넷째 수준</a:t>
             </a:r>
           </a:p>
           <a:p>
             <a:pPr lvl="4"/>
             <a:r>
-              <a:rPr lang="ko-KR" altLang="en-US" smtClean="0"/>
+              <a:rPr lang="ko-KR" altLang="en-US"/>
               <a:t>다섯째 수준</a:t>
             </a:r>
-            <a:endParaRPr lang="ko-KR" altLang="en-US"/>
           </a:p>
         </p:txBody>
       </p:sp>
@@ -2424,7 +2407,7 @@
             <a:fld id="{0E3C0ECE-794B-4B99-8E02-3BB1152032F2}" type="datetime1">
               <a:rPr lang="ko-KR" altLang="en-US" smtClean="0"/>
               <a:pPr/>
-              <a:t>2021-11-12</a:t>
+              <a:t>2022-02-14</a:t>
             </a:fld>
             <a:endParaRPr lang="ko-KR" altLang="en-US"/>
           </a:p>
@@ -2519,10 +2502,9 @@
           <a:lstStyle/>
           <a:p>
             <a:r>
-              <a:rPr lang="ko-KR" altLang="en-US" smtClean="0"/>
+              <a:rPr lang="ko-KR" altLang="en-US"/>
               <a:t>마스터 제목 스타일 편집</a:t>
             </a:r>
-            <a:endParaRPr lang="ko-KR" altLang="en-US"/>
           </a:p>
         </p:txBody>
       </p:sp>
@@ -2544,7 +2526,7 @@
             <a:fld id="{0F75503B-EE7A-4049-8A0E-70C0A8C6708E}" type="datetime1">
               <a:rPr lang="ko-KR" altLang="en-US" smtClean="0"/>
               <a:pPr/>
-              <a:t>2021-11-12</a:t>
+              <a:t>2022-02-14</a:t>
             </a:fld>
             <a:endParaRPr lang="ko-KR" altLang="en-US"/>
           </a:p>
@@ -2962,13 +2944,6 @@
   <p:clrMapOvr>
     <a:masterClrMapping/>
   </p:clrMapOvr>
-  <p:timing>
-    <p:tnLst>
-      <p:par>
-        <p:cTn id="1" dur="indefinite" restart="never" nodeType="tmRoot"/>
-      </p:par>
-    </p:tnLst>
-  </p:timing>
 </p:sldLayout>
 </file>
 
@@ -3069,7 +3044,7 @@
           <a:p>
             <a:pPr algn="r"/>
             <a:r>
-              <a:rPr lang="en-US" altLang="ko-KR" sz="1600" kern="1200" dirty="0" smtClean="0">
+              <a:rPr lang="en-US" altLang="ko-KR" sz="1600" kern="1200" dirty="0">
                 <a:solidFill>
                   <a:schemeClr val="tx1"/>
                 </a:solidFill>
@@ -3081,7 +3056,7 @@
               <a:t>24</a:t>
             </a:r>
             <a:r>
-              <a:rPr lang="ko-KR" altLang="en-US" sz="1600" kern="1200" dirty="0" smtClean="0">
+              <a:rPr lang="ko-KR" altLang="en-US" sz="1600" kern="1200" dirty="0">
                 <a:solidFill>
                   <a:schemeClr val="tx1"/>
                 </a:solidFill>
@@ -3093,7 +3068,7 @@
               <a:t>강</a:t>
             </a:r>
             <a:r>
-              <a:rPr lang="en-US" altLang="ko-KR" sz="1600" kern="1200" dirty="0" smtClean="0">
+              <a:rPr lang="en-US" altLang="ko-KR" sz="1600" kern="1200" dirty="0">
                 <a:solidFill>
                   <a:schemeClr val="tx1"/>
                 </a:solidFill>
@@ -3105,7 +3080,7 @@
               <a:t>.</a:t>
             </a:r>
             <a:r>
-              <a:rPr lang="en-US" altLang="ko-KR" sz="1600" kern="1200" baseline="0" dirty="0" smtClean="0">
+              <a:rPr lang="en-US" altLang="ko-KR" sz="1600" kern="1200" baseline="0" dirty="0">
                 <a:solidFill>
                   <a:schemeClr val="tx1"/>
                 </a:solidFill>
@@ -3234,7 +3209,7 @@
             <a:fld id="{9E6BA691-BC9B-4A68-9744-1B809170C141}" type="datetime1">
               <a:rPr lang="ko-KR" altLang="en-US" smtClean="0"/>
               <a:pPr/>
-              <a:t>2021-11-12</a:t>
+              <a:t>2022-02-14</a:t>
             </a:fld>
             <a:endParaRPr lang="ko-KR" altLang="en-US"/>
           </a:p>
@@ -3303,13 +3278,6 @@
   <p:clrMapOvr>
     <a:masterClrMapping/>
   </p:clrMapOvr>
-  <p:timing>
-    <p:tnLst>
-      <p:par>
-        <p:cTn id="1" dur="indefinite" restart="never" nodeType="tmRoot"/>
-      </p:par>
-    </p:tnLst>
-  </p:timing>
 </p:sldLayout>
 </file>
 
@@ -3355,10 +3323,9 @@
           </a:lstStyle>
           <a:p>
             <a:r>
-              <a:rPr lang="ko-KR" altLang="en-US" smtClean="0"/>
+              <a:rPr lang="ko-KR" altLang="en-US"/>
               <a:t>마스터 제목 스타일 편집</a:t>
             </a:r>
-            <a:endParaRPr lang="ko-KR" altLang="en-US"/>
           </a:p>
         </p:txBody>
       </p:sp>
@@ -3412,38 +3379,37 @@
           <a:p>
             <a:pPr lvl="0"/>
             <a:r>
-              <a:rPr lang="ko-KR" altLang="en-US" smtClean="0"/>
+              <a:rPr lang="ko-KR" altLang="en-US"/>
               <a:t>마스터 텍스트 스타일을 편집합니다</a:t>
             </a:r>
           </a:p>
           <a:p>
             <a:pPr lvl="1"/>
             <a:r>
-              <a:rPr lang="ko-KR" altLang="en-US" smtClean="0"/>
+              <a:rPr lang="ko-KR" altLang="en-US"/>
               <a:t>둘째 수준</a:t>
             </a:r>
           </a:p>
           <a:p>
             <a:pPr lvl="2"/>
             <a:r>
-              <a:rPr lang="ko-KR" altLang="en-US" smtClean="0"/>
+              <a:rPr lang="ko-KR" altLang="en-US"/>
               <a:t>셋째 수준</a:t>
             </a:r>
           </a:p>
           <a:p>
             <a:pPr lvl="3"/>
             <a:r>
-              <a:rPr lang="ko-KR" altLang="en-US" smtClean="0"/>
+              <a:rPr lang="ko-KR" altLang="en-US"/>
               <a:t>넷째 수준</a:t>
             </a:r>
           </a:p>
           <a:p>
             <a:pPr lvl="4"/>
             <a:r>
-              <a:rPr lang="ko-KR" altLang="en-US" smtClean="0"/>
+              <a:rPr lang="ko-KR" altLang="en-US"/>
               <a:t>다섯째 수준</a:t>
             </a:r>
-            <a:endParaRPr lang="ko-KR" altLang="en-US"/>
           </a:p>
         </p:txBody>
       </p:sp>
@@ -3506,7 +3472,7 @@
           <a:p>
             <a:pPr lvl="0"/>
             <a:r>
-              <a:rPr lang="ko-KR" altLang="en-US" smtClean="0"/>
+              <a:rPr lang="ko-KR" altLang="en-US"/>
               <a:t>마스터 텍스트 스타일을 편집합니다</a:t>
             </a:r>
           </a:p>
@@ -3530,7 +3496,7 @@
             <a:fld id="{BB5D5985-9155-4A4F-A545-EFF2E5BDFE10}" type="datetime1">
               <a:rPr lang="ko-KR" altLang="en-US" smtClean="0"/>
               <a:pPr/>
-              <a:t>2021-11-12</a:t>
+              <a:t>2022-02-14</a:t>
             </a:fld>
             <a:endParaRPr lang="ko-KR" altLang="en-US"/>
           </a:p>
@@ -3589,13 +3555,6 @@
   <p:clrMapOvr>
     <a:masterClrMapping/>
   </p:clrMapOvr>
-  <p:timing>
-    <p:tnLst>
-      <p:par>
-        <p:cTn id="1" dur="indefinite" restart="never" nodeType="tmRoot"/>
-      </p:par>
-    </p:tnLst>
-  </p:timing>
 </p:sldLayout>
 </file>
 
@@ -3647,10 +3606,9 @@
           <a:lstStyle/>
           <a:p>
             <a:r>
-              <a:rPr lang="ko-KR" altLang="en-US" smtClean="0"/>
+              <a:rPr lang="ko-KR" altLang="en-US"/>
               <a:t>마스터 제목 스타일 편집</a:t>
             </a:r>
-            <a:endParaRPr lang="ko-KR" altLang="en-US"/>
           </a:p>
         </p:txBody>
       </p:sp>
@@ -3681,38 +3639,37 @@
           <a:p>
             <a:pPr lvl="0"/>
             <a:r>
-              <a:rPr lang="ko-KR" altLang="en-US" smtClean="0"/>
+              <a:rPr lang="ko-KR" altLang="en-US"/>
               <a:t>마스터 텍스트 스타일을 편집합니다</a:t>
             </a:r>
           </a:p>
           <a:p>
             <a:pPr lvl="1"/>
             <a:r>
-              <a:rPr lang="ko-KR" altLang="en-US" smtClean="0"/>
+              <a:rPr lang="ko-KR" altLang="en-US"/>
               <a:t>둘째 수준</a:t>
             </a:r>
           </a:p>
           <a:p>
             <a:pPr lvl="2"/>
             <a:r>
-              <a:rPr lang="ko-KR" altLang="en-US" smtClean="0"/>
+              <a:rPr lang="ko-KR" altLang="en-US"/>
               <a:t>셋째 수준</a:t>
             </a:r>
           </a:p>
           <a:p>
             <a:pPr lvl="3"/>
             <a:r>
-              <a:rPr lang="ko-KR" altLang="en-US" smtClean="0"/>
+              <a:rPr lang="ko-KR" altLang="en-US"/>
               <a:t>넷째 수준</a:t>
             </a:r>
           </a:p>
           <a:p>
             <a:pPr lvl="4"/>
             <a:r>
-              <a:rPr lang="ko-KR" altLang="en-US" smtClean="0"/>
+              <a:rPr lang="ko-KR" altLang="en-US"/>
               <a:t>다섯째 수준</a:t>
             </a:r>
-            <a:endParaRPr lang="ko-KR" altLang="en-US"/>
           </a:p>
         </p:txBody>
       </p:sp>
@@ -3752,7 +3709,7 @@
             <a:fld id="{F5078468-8E36-4528-8629-5ECE6BEC95B9}" type="datetime1">
               <a:rPr lang="ko-KR" altLang="en-US" smtClean="0"/>
               <a:pPr/>
-              <a:t>2021-11-12</a:t>
+              <a:t>2022-02-14</a:t>
             </a:fld>
             <a:endParaRPr lang="ko-KR" altLang="en-US"/>
           </a:p>
@@ -3859,13 +3816,6 @@
     <p:sldLayoutId id="2147483658" r:id="rId11"/>
     <p:sldLayoutId id="2147483659" r:id="rId12"/>
   </p:sldLayoutIdLst>
-  <p:timing>
-    <p:tnLst>
-      <p:par>
-        <p:cTn id="1" dur="indefinite" restart="never" nodeType="tmRoot"/>
-      </p:par>
-    </p:tnLst>
-  </p:timing>
   <p:hf hdr="0" ftr="0" dt="0"/>
   <p:txStyles>
     <p:titleStyle>
@@ -4190,7 +4140,7 @@
           <a:lstStyle/>
           <a:p>
             <a:r>
-              <a:rPr lang="en-US" altLang="ko-KR" sz="2000" spc="-150" dirty="0" smtClean="0">
+              <a:rPr lang="en-US" altLang="ko-KR" sz="2000" spc="-150" dirty="0">
                 <a:solidFill>
                   <a:srgbClr val="0070C0"/>
                 </a:solidFill>
@@ -4200,7 +4150,7 @@
               <a:t>24</a:t>
             </a:r>
             <a:r>
-              <a:rPr lang="ko-KR" altLang="en-US" sz="2000" spc="-150" dirty="0" smtClean="0">
+              <a:rPr lang="ko-KR" altLang="en-US" sz="2000" spc="-150" dirty="0">
                 <a:solidFill>
                   <a:srgbClr val="0070C0"/>
                 </a:solidFill>
@@ -4210,7 +4160,7 @@
               <a:t>강</a:t>
             </a:r>
             <a:r>
-              <a:rPr lang="en-US" altLang="ko-KR" sz="2000" spc="-150" dirty="0" smtClean="0">
+              <a:rPr lang="en-US" altLang="ko-KR" sz="2000" spc="-150" dirty="0">
                 <a:solidFill>
                   <a:srgbClr val="0070C0"/>
                 </a:solidFill>
@@ -4256,7 +4206,7 @@
               <a:buChar char="-"/>
             </a:pPr>
             <a:r>
-              <a:rPr lang="en-US" altLang="ko-KR" sz="1200" dirty="0" smtClean="0">
+              <a:rPr lang="en-US" altLang="ko-KR" sz="1200" dirty="0">
                 <a:solidFill>
                   <a:schemeClr val="tx1">
                     <a:lumMod val="65000"/>
@@ -4268,7 +4218,7 @@
               <a:t>JSTL </a:t>
             </a:r>
             <a:r>
-              <a:rPr lang="ko-KR" altLang="en-US" sz="1200" dirty="0" smtClean="0">
+              <a:rPr lang="ko-KR" altLang="en-US" sz="1200" dirty="0">
                 <a:solidFill>
                   <a:schemeClr val="tx1">
                     <a:lumMod val="65000"/>
@@ -4279,7 +4229,7 @@
               </a:rPr>
               <a:t>개요 및 설치</a:t>
             </a:r>
-            <a:endParaRPr lang="en-US" altLang="ko-KR" sz="1200" dirty="0" smtClean="0">
+            <a:endParaRPr lang="en-US" altLang="ko-KR" sz="1200" dirty="0">
               <a:solidFill>
                 <a:schemeClr val="tx1">
                   <a:lumMod val="65000"/>
@@ -4295,7 +4245,7 @@
               <a:buChar char="-"/>
             </a:pPr>
             <a:r>
-              <a:rPr lang="en-US" altLang="ko-KR" sz="1200" dirty="0" smtClean="0">
+              <a:rPr lang="en-US" altLang="ko-KR" sz="1200" dirty="0">
                 <a:solidFill>
                   <a:schemeClr val="tx1">
                     <a:lumMod val="65000"/>
@@ -4307,7 +4257,7 @@
               <a:t>JSTL </a:t>
             </a:r>
             <a:r>
-              <a:rPr lang="ko-KR" altLang="en-US" sz="1200" dirty="0" smtClean="0">
+              <a:rPr lang="ko-KR" altLang="en-US" sz="1200" dirty="0">
                 <a:solidFill>
                   <a:schemeClr val="tx1">
                     <a:lumMod val="65000"/>
@@ -4318,15 +4268,6 @@
               </a:rPr>
               <a:t>라이브러리</a:t>
             </a:r>
-            <a:endParaRPr lang="ko-KR" altLang="en-US" sz="1200" dirty="0">
-              <a:solidFill>
-                <a:schemeClr val="tx1">
-                  <a:lumMod val="65000"/>
-                  <a:lumOff val="35000"/>
-                </a:schemeClr>
-              </a:solidFill>
-              <a:latin typeface="+mn-ea"/>
-            </a:endParaRPr>
           </a:p>
         </p:txBody>
       </p:sp>
@@ -4340,13 +4281,6 @@
   <p:clrMapOvr>
     <a:masterClrMapping/>
   </p:clrMapOvr>
-  <p:timing>
-    <p:tnLst>
-      <p:par>
-        <p:cTn id="1" dur="indefinite" restart="never" nodeType="tmRoot"/>
-      </p:par>
-    </p:tnLst>
-  </p:timing>
 </p:sld>
 </file>
 
@@ -4548,7 +4482,7 @@
               <a:t>blogEntry</a:t>
             </a:r>
             <a:r>
-              <a:rPr lang="en-US" altLang="ko-KR" dirty="0" smtClean="0">
+              <a:rPr lang="en-US" altLang="ko-KR" dirty="0">
                 <a:solidFill>
                   <a:srgbClr val="839A31"/>
                 </a:solidFill>
@@ -4557,7 +4491,7 @@
               <a:t>"</a:t>
             </a:r>
             <a:r>
-              <a:rPr lang="en-US" altLang="ko-KR" dirty="0" smtClean="0">
+              <a:rPr lang="en-US" altLang="ko-KR" dirty="0">
                 <a:solidFill>
                   <a:srgbClr val="48A9AE"/>
                 </a:solidFill>
@@ -4566,7 +4500,7 @@
               <a:t>&gt;</a:t>
             </a:r>
             <a:br>
-              <a:rPr lang="en-US" altLang="ko-KR" dirty="0" smtClean="0">
+              <a:rPr lang="en-US" altLang="ko-KR" dirty="0">
                 <a:solidFill>
                   <a:srgbClr val="48A9AE"/>
                 </a:solidFill>
@@ -4574,7 +4508,7 @@
               </a:rPr>
             </a:br>
             <a:r>
-              <a:rPr lang="en-US" altLang="ko-KR" dirty="0" smtClean="0">
+              <a:rPr lang="en-US" altLang="ko-KR" dirty="0">
                 <a:solidFill>
                   <a:srgbClr val="48A9AE"/>
                 </a:solidFill>
@@ -4600,13 +4534,9 @@
             </a:r>
             <a:r>
               <a:rPr lang="en-US" altLang="ko-KR" dirty="0"/>
-              <a:t>}" </a:t>
-            </a:r>
-            <a:r>
-              <a:rPr lang="en-US" altLang="ko-KR" dirty="0" smtClean="0"/>
-              <a:t>/&gt;</a:t>
-            </a:r>
-            <a:endParaRPr lang="en-US" altLang="ko-KR" dirty="0" smtClean="0">
+              <a:t>}" /&gt;</a:t>
+            </a:r>
+            <a:endParaRPr lang="en-US" altLang="ko-KR" dirty="0">
               <a:solidFill>
                 <a:srgbClr val="48A9AE"/>
               </a:solidFill>
@@ -4615,7 +4545,7 @@
           </a:p>
           <a:p>
             <a:r>
-              <a:rPr lang="en-US" altLang="ko-KR" dirty="0" smtClean="0">
+              <a:rPr lang="en-US" altLang="ko-KR" dirty="0">
                 <a:solidFill>
                   <a:srgbClr val="48A9AE"/>
                 </a:solidFill>
@@ -4624,7 +4554,7 @@
               <a:t>&lt;/</a:t>
             </a:r>
             <a:r>
-              <a:rPr lang="en-US" altLang="ko-KR" dirty="0" err="1" smtClean="0">
+              <a:rPr lang="en-US" altLang="ko-KR" dirty="0" err="1">
                 <a:solidFill>
                   <a:srgbClr val="48A9AE"/>
                 </a:solidFill>
@@ -4633,7 +4563,7 @@
               <a:t>c:forEach</a:t>
             </a:r>
             <a:r>
-              <a:rPr lang="en-US" altLang="ko-KR" dirty="0" smtClean="0">
+              <a:rPr lang="en-US" altLang="ko-KR" dirty="0">
                 <a:solidFill>
                   <a:srgbClr val="48A9AE"/>
                 </a:solidFill>
@@ -4642,267 +4572,240 @@
               <a:t>&gt;</a:t>
             </a:r>
             <a:br>
-              <a:rPr lang="en-US" altLang="ko-KR" dirty="0" smtClean="0">
+              <a:rPr lang="en-US" altLang="ko-KR" dirty="0">
                 <a:solidFill>
                   <a:srgbClr val="48A9AE"/>
                 </a:solidFill>
                 <a:latin typeface="Monaco"/>
               </a:rPr>
             </a:br>
-            <a:r>
-              <a:rPr lang="en-US" altLang="ko-KR" dirty="0" smtClean="0">
+            <a:br>
+              <a:rPr lang="en-US" altLang="ko-KR" dirty="0">
                 <a:solidFill>
                   <a:srgbClr val="48A9AE"/>
                 </a:solidFill>
                 <a:latin typeface="Monaco"/>
               </a:rPr>
-              <a:t/>
-            </a:r>
-            <a:br>
-              <a:rPr lang="en-US" altLang="ko-KR" dirty="0" smtClean="0">
+            </a:br>
+            <a:r>
+              <a:rPr lang="en-US" altLang="ko-KR" dirty="0">
                 <a:solidFill>
                   <a:srgbClr val="48A9AE"/>
                 </a:solidFill>
                 <a:latin typeface="Monaco"/>
               </a:rPr>
-            </a:br>
-            <a:r>
-              <a:rPr lang="en-US" altLang="ko-KR" dirty="0" smtClean="0">
+              <a:t>/*</a:t>
+            </a:r>
+          </a:p>
+          <a:p>
+            <a:r>
+              <a:rPr lang="ko-KR" altLang="en-US" dirty="0">
                 <a:solidFill>
                   <a:srgbClr val="48A9AE"/>
                 </a:solidFill>
                 <a:latin typeface="Monaco"/>
               </a:rPr>
-              <a:t>/*</a:t>
-            </a:r>
-          </a:p>
-          <a:p>
-            <a:r>
-              <a:rPr lang="ko-KR" altLang="en-US" dirty="0" smtClean="0">
+              <a:t>자바의 </a:t>
+            </a:r>
+            <a:r>
+              <a:rPr lang="en-US" altLang="ko-KR" dirty="0">
                 <a:solidFill>
                   <a:srgbClr val="48A9AE"/>
                 </a:solidFill>
                 <a:latin typeface="Monaco"/>
               </a:rPr>
-              <a:t>자바의 </a:t>
-            </a:r>
-            <a:r>
-              <a:rPr lang="en-US" altLang="ko-KR" dirty="0" smtClean="0">
+              <a:t>enhanced for</a:t>
+            </a:r>
+            <a:r>
+              <a:rPr lang="ko-KR" altLang="en-US" dirty="0">
                 <a:solidFill>
                   <a:srgbClr val="48A9AE"/>
                 </a:solidFill>
                 <a:latin typeface="Monaco"/>
               </a:rPr>
-              <a:t>enhanced for</a:t>
-            </a:r>
-            <a:r>
-              <a:rPr lang="ko-KR" altLang="en-US" dirty="0" smtClean="0">
+              <a:t>문처럼 배열이나 </a:t>
+            </a:r>
+            <a:r>
+              <a:rPr lang="en-US" altLang="ko-KR" dirty="0">
                 <a:solidFill>
                   <a:srgbClr val="48A9AE"/>
                 </a:solidFill>
                 <a:latin typeface="Monaco"/>
               </a:rPr>
-              <a:t>문처럼 배열이나 </a:t>
-            </a:r>
-            <a:r>
-              <a:rPr lang="en-US" altLang="ko-KR" dirty="0" smtClean="0">
+              <a:t>list, map</a:t>
+            </a:r>
+            <a:r>
+              <a:rPr lang="ko-KR" altLang="en-US" dirty="0">
                 <a:solidFill>
                   <a:srgbClr val="48A9AE"/>
                 </a:solidFill>
                 <a:latin typeface="Monaco"/>
               </a:rPr>
-              <a:t>list, map</a:t>
-            </a:r>
-            <a:r>
-              <a:rPr lang="ko-KR" altLang="en-US" dirty="0" smtClean="0">
+              <a:t>등을 </a:t>
+            </a:r>
+            <a:r>
+              <a:rPr lang="ko-KR" altLang="en-US" dirty="0" err="1">
                 <a:solidFill>
                   <a:srgbClr val="48A9AE"/>
                 </a:solidFill>
                 <a:latin typeface="Monaco"/>
               </a:rPr>
-              <a:t>등을 </a:t>
-            </a:r>
-            <a:r>
-              <a:rPr lang="ko-KR" altLang="en-US" dirty="0" err="1" smtClean="0">
+              <a:t>반복시</a:t>
+            </a:r>
+            <a:r>
+              <a:rPr lang="ko-KR" altLang="en-US" dirty="0">
                 <a:solidFill>
                   <a:srgbClr val="48A9AE"/>
                 </a:solidFill>
                 <a:latin typeface="Monaco"/>
               </a:rPr>
-              <a:t>반복시</a:t>
-            </a:r>
-            <a:r>
-              <a:rPr lang="ko-KR" altLang="en-US" dirty="0" smtClean="0">
+              <a:t> 구문</a:t>
+            </a:r>
+            <a:br>
+              <a:rPr lang="en-US" altLang="ko-KR" dirty="0">
                 <a:solidFill>
                   <a:srgbClr val="48A9AE"/>
                 </a:solidFill>
                 <a:latin typeface="Monaco"/>
               </a:rPr>
-              <a:t> 구문</a:t>
-            </a:r>
-            <a:r>
-              <a:rPr lang="en-US" altLang="ko-KR" dirty="0" smtClean="0">
+            </a:br>
+            <a:r>
+              <a:rPr lang="en-US" altLang="ko-KR" dirty="0">
                 <a:solidFill>
                   <a:srgbClr val="48A9AE"/>
                 </a:solidFill>
                 <a:latin typeface="Monaco"/>
               </a:rPr>
-              <a:t/>
-            </a:r>
-            <a:br>
-              <a:rPr lang="en-US" altLang="ko-KR" dirty="0" smtClean="0">
+              <a:t>for(x : </a:t>
+            </a:r>
+            <a:r>
+              <a:rPr lang="en-US" altLang="ko-KR" dirty="0" err="1">
                 <a:solidFill>
                   <a:srgbClr val="48A9AE"/>
                 </a:solidFill>
                 <a:latin typeface="Monaco"/>
               </a:rPr>
-            </a:br>
-            <a:r>
-              <a:rPr lang="en-US" altLang="ko-KR" dirty="0" smtClean="0">
+              <a:t>arrs</a:t>
+            </a:r>
+            <a:r>
+              <a:rPr lang="en-US" altLang="ko-KR" dirty="0">
                 <a:solidFill>
                   <a:srgbClr val="48A9AE"/>
                 </a:solidFill>
                 <a:latin typeface="Monaco"/>
               </a:rPr>
-              <a:t>for(x : </a:t>
-            </a:r>
-            <a:r>
-              <a:rPr lang="en-US" altLang="ko-KR" dirty="0" err="1" smtClean="0">
+              <a:t>)</a:t>
+            </a:r>
+            <a:r>
+              <a:rPr lang="ko-KR" altLang="en-US" dirty="0">
                 <a:solidFill>
                   <a:srgbClr val="48A9AE"/>
                 </a:solidFill>
                 <a:latin typeface="Monaco"/>
               </a:rPr>
-              <a:t>arrs</a:t>
-            </a:r>
-            <a:r>
-              <a:rPr lang="en-US" altLang="ko-KR" dirty="0" smtClean="0">
+              <a:t>처럼 </a:t>
+            </a:r>
+            <a:r>
+              <a:rPr lang="en-US" altLang="ko-KR" dirty="0" err="1">
                 <a:solidFill>
                   <a:srgbClr val="48A9AE"/>
                 </a:solidFill>
                 <a:latin typeface="Monaco"/>
               </a:rPr>
-              <a:t>)</a:t>
-            </a:r>
-            <a:r>
-              <a:rPr lang="ko-KR" altLang="en-US" dirty="0" smtClean="0">
+              <a:t>entryList</a:t>
+            </a:r>
+            <a:r>
+              <a:rPr lang="ko-KR" altLang="en-US" dirty="0">
                 <a:solidFill>
                   <a:srgbClr val="48A9AE"/>
                 </a:solidFill>
                 <a:latin typeface="Monaco"/>
               </a:rPr>
-              <a:t>처럼 </a:t>
-            </a:r>
-            <a:r>
-              <a:rPr lang="en-US" altLang="ko-KR" dirty="0" err="1" smtClean="0">
+              <a:t>가 배열이나 리스트 이름이고</a:t>
+            </a:r>
+            <a:br>
+              <a:rPr lang="en-US" altLang="ko-KR" dirty="0">
                 <a:solidFill>
                   <a:srgbClr val="48A9AE"/>
                 </a:solidFill>
                 <a:latin typeface="Monaco"/>
               </a:rPr>
-              <a:t>entryList</a:t>
-            </a:r>
-            <a:r>
-              <a:rPr lang="ko-KR" altLang="en-US" dirty="0" smtClean="0">
+            </a:br>
+            <a:r>
+              <a:rPr lang="en-US" altLang="ko-KR" dirty="0" err="1">
                 <a:solidFill>
                   <a:srgbClr val="48A9AE"/>
                 </a:solidFill>
                 <a:latin typeface="Monaco"/>
               </a:rPr>
-              <a:t>가 배열이나 리스트 이름이고</a:t>
-            </a:r>
-            <a:r>
-              <a:rPr lang="en-US" altLang="ko-KR" dirty="0" smtClean="0">
+              <a:t>var</a:t>
+            </a:r>
+            <a:r>
+              <a:rPr lang="ko-KR" altLang="en-US" dirty="0">
                 <a:solidFill>
                   <a:srgbClr val="48A9AE"/>
                 </a:solidFill>
                 <a:latin typeface="Monaco"/>
               </a:rPr>
-              <a:t/>
-            </a:r>
-            <a:br>
-              <a:rPr lang="en-US" altLang="ko-KR" dirty="0" smtClean="0">
+              <a:t>에  </a:t>
+            </a:r>
+            <a:r>
+              <a:rPr lang="ko-KR" altLang="en-US" dirty="0" err="1">
                 <a:solidFill>
                   <a:srgbClr val="48A9AE"/>
                 </a:solidFill>
                 <a:latin typeface="Monaco"/>
               </a:rPr>
-            </a:br>
-            <a:r>
-              <a:rPr lang="en-US" altLang="ko-KR" dirty="0" err="1" smtClean="0">
+              <a:t>반복시</a:t>
+            </a:r>
+            <a:r>
+              <a:rPr lang="ko-KR" altLang="en-US" dirty="0">
                 <a:solidFill>
                   <a:srgbClr val="48A9AE"/>
                 </a:solidFill>
                 <a:latin typeface="Monaco"/>
               </a:rPr>
-              <a:t>var</a:t>
-            </a:r>
-            <a:r>
-              <a:rPr lang="ko-KR" altLang="en-US" dirty="0" smtClean="0">
+              <a:t> 사용하는 원소를 나타내는 임의의 </a:t>
+            </a:r>
+            <a:r>
+              <a:rPr lang="ko-KR" altLang="en-US" dirty="0" err="1">
                 <a:solidFill>
                   <a:srgbClr val="48A9AE"/>
                 </a:solidFill>
                 <a:latin typeface="Monaco"/>
               </a:rPr>
-              <a:t>에  </a:t>
-            </a:r>
-            <a:r>
-              <a:rPr lang="ko-KR" altLang="en-US" dirty="0" err="1" smtClean="0">
+              <a:t>변수명</a:t>
+            </a:r>
+            <a:r>
+              <a:rPr lang="en-US" altLang="ko-KR" dirty="0">
                 <a:solidFill>
                   <a:srgbClr val="48A9AE"/>
                 </a:solidFill>
                 <a:latin typeface="Monaco"/>
               </a:rPr>
-              <a:t>반복시</a:t>
-            </a:r>
-            <a:r>
-              <a:rPr lang="ko-KR" altLang="en-US" dirty="0" smtClean="0">
+              <a:t>(</a:t>
+            </a:r>
+            <a:r>
+              <a:rPr lang="en-US" altLang="ko-KR" dirty="0" err="1">
                 <a:solidFill>
                   <a:srgbClr val="48A9AE"/>
                 </a:solidFill>
                 <a:latin typeface="Monaco"/>
               </a:rPr>
-              <a:t> 사용하는 원소를 나타내는 임의의 </a:t>
-            </a:r>
-            <a:r>
-              <a:rPr lang="ko-KR" altLang="en-US" dirty="0" err="1" smtClean="0">
+              <a:t>blogEntry</a:t>
+            </a:r>
+            <a:r>
+              <a:rPr lang="en-US" altLang="ko-KR" dirty="0">
                 <a:solidFill>
                   <a:srgbClr val="48A9AE"/>
                 </a:solidFill>
                 <a:latin typeface="Monaco"/>
               </a:rPr>
-              <a:t>변수명</a:t>
-            </a:r>
-            <a:r>
-              <a:rPr lang="en-US" altLang="ko-KR" dirty="0" smtClean="0">
-                <a:solidFill>
-                  <a:srgbClr val="48A9AE"/>
-                </a:solidFill>
-                <a:latin typeface="Monaco"/>
-              </a:rPr>
-              <a:t>(</a:t>
-            </a:r>
-            <a:r>
-              <a:rPr lang="en-US" altLang="ko-KR" err="1" smtClean="0">
-                <a:solidFill>
-                  <a:srgbClr val="48A9AE"/>
-                </a:solidFill>
-                <a:latin typeface="Monaco"/>
-              </a:rPr>
-              <a:t>blogEntry</a:t>
-            </a:r>
-            <a:r>
-              <a:rPr lang="en-US" altLang="ko-KR" smtClean="0">
-                <a:solidFill>
-                  <a:srgbClr val="48A9AE"/>
-                </a:solidFill>
-                <a:latin typeface="Monaco"/>
-              </a:rPr>
               <a:t>)</a:t>
             </a:r>
           </a:p>
           <a:p>
-            <a:endParaRPr lang="en-US" altLang="ko-KR">
+            <a:endParaRPr lang="en-US" altLang="ko-KR" dirty="0">
               <a:solidFill>
                 <a:srgbClr val="48A9AE"/>
               </a:solidFill>
@@ -4911,7 +4814,7 @@
           </a:p>
           <a:p>
             <a:r>
-              <a:rPr lang="ko-KR" altLang="en-US" smtClean="0">
+              <a:rPr lang="ko-KR" altLang="en-US" dirty="0">
                 <a:solidFill>
                   <a:srgbClr val="48A9AE"/>
                 </a:solidFill>
@@ -4920,7 +4823,7 @@
               <a:t>상세 예제들 </a:t>
             </a:r>
             <a:r>
-              <a:rPr lang="en-US" altLang="ko-KR">
+              <a:rPr lang="en-US" altLang="ko-KR" dirty="0">
                 <a:solidFill>
                   <a:srgbClr val="48A9AE"/>
                 </a:solidFill>
@@ -4985,7 +4888,7 @@
           <a:lstStyle/>
           <a:p>
             <a:r>
-              <a:rPr lang="en-US" altLang="ko-KR" sz="1600" b="1" kern="1200" dirty="0" smtClean="0">
+              <a:rPr lang="en-US" altLang="ko-KR" sz="1600" b="1" kern="1200" dirty="0">
                 <a:solidFill>
                   <a:schemeClr val="tx1"/>
                 </a:solidFill>
@@ -4996,7 +4899,7 @@
               <a:t>24-1</a:t>
             </a:r>
             <a:r>
-              <a:rPr lang="en-US" altLang="ko-KR" sz="1600" b="1" kern="1200" smtClean="0">
+              <a:rPr lang="en-US" altLang="ko-KR" sz="1600" b="1" kern="1200">
                 <a:solidFill>
                   <a:schemeClr val="tx1"/>
                 </a:solidFill>
@@ -5007,7 +4910,7 @@
               <a:t>.</a:t>
             </a:r>
             <a:r>
-              <a:rPr lang="en-US" altLang="ko-KR" sz="1600" b="1" kern="1200" baseline="0" smtClean="0">
+              <a:rPr lang="en-US" altLang="ko-KR" sz="1600" b="1" kern="1200" baseline="0">
                 <a:solidFill>
                   <a:schemeClr val="tx1"/>
                 </a:solidFill>
@@ -5018,7 +4921,7 @@
               <a:t> </a:t>
             </a:r>
             <a:r>
-              <a:rPr lang="en-US" altLang="ko-KR" sz="1600" smtClean="0">
+              <a:rPr lang="en-US" altLang="ko-KR" sz="1600">
                 <a:solidFill>
                   <a:schemeClr val="tx1">
                     <a:lumMod val="65000"/>
@@ -5030,7 +4933,7 @@
               <a:t>JSTL(java server page standard tag library) </a:t>
             </a:r>
             <a:r>
-              <a:rPr lang="ko-KR" altLang="en-US" sz="1600" dirty="0" smtClean="0">
+              <a:rPr lang="ko-KR" altLang="en-US" sz="1600" dirty="0">
                 <a:solidFill>
                   <a:schemeClr val="tx1">
                     <a:lumMod val="65000"/>
@@ -5166,116 +5069,104 @@
               <a:t>떨어집니다</a:t>
             </a:r>
             <a:r>
-              <a:rPr lang="en-US" altLang="ko-KR" sz="1100" smtClean="0">
+              <a:rPr lang="en-US" altLang="ko-KR" sz="1100">
                 <a:latin typeface="+mn-ea"/>
               </a:rPr>
               <a:t>.(</a:t>
             </a:r>
             <a:r>
-              <a:rPr lang="ko-KR" altLang="en-US" sz="1100" smtClean="0">
+              <a:rPr lang="ko-KR" altLang="en-US" sz="1100">
                 <a:latin typeface="+mn-ea"/>
               </a:rPr>
               <a:t>즉 자바코드 대신 </a:t>
             </a:r>
             <a:r>
-              <a:rPr lang="en-US" altLang="ko-KR" sz="1100" smtClean="0">
+              <a:rPr lang="en-US" altLang="ko-KR" sz="1100">
                 <a:latin typeface="+mn-ea"/>
               </a:rPr>
               <a:t>jsp</a:t>
             </a:r>
             <a:r>
-              <a:rPr lang="ko-KR" altLang="en-US" sz="1100" smtClean="0">
+              <a:rPr lang="ko-KR" altLang="en-US" sz="1100">
                 <a:latin typeface="+mn-ea"/>
               </a:rPr>
               <a:t>용 태그언어를 사용</a:t>
             </a:r>
             <a:r>
-              <a:rPr lang="en-US" altLang="ko-KR" sz="1100" smtClean="0">
+              <a:rPr lang="en-US" altLang="ko-KR" sz="1100">
                 <a:latin typeface="+mn-ea"/>
               </a:rPr>
               <a:t>)</a:t>
             </a:r>
-            <a:endParaRPr lang="en-US" altLang="ko-KR" sz="1100" dirty="0" smtClean="0">
+            <a:endParaRPr lang="en-US" altLang="ko-KR" sz="1100" dirty="0">
               <a:latin typeface="+mn-ea"/>
             </a:endParaRPr>
           </a:p>
           <a:p>
             <a:r>
-              <a:rPr lang="ko-KR" altLang="en-US" sz="1100" dirty="0" smtClean="0">
-                <a:latin typeface="+mn-ea"/>
-              </a:rPr>
-              <a:t>그래서 이러한 단점을 보완하고자 만들어진 태그 라이브러리가 </a:t>
-            </a:r>
-            <a:r>
-              <a:rPr lang="en-US" altLang="ko-KR" sz="1100" dirty="0" smtClean="0">
-                <a:latin typeface="+mn-ea"/>
-              </a:rPr>
-              <a:t>JSTL </a:t>
-            </a:r>
-            <a:r>
-              <a:rPr lang="ko-KR" altLang="en-US" sz="1100" dirty="0" smtClean="0">
-                <a:latin typeface="+mn-ea"/>
-              </a:rPr>
-              <a:t>입니다</a:t>
-            </a:r>
-            <a:r>
-              <a:rPr lang="en-US" altLang="ko-KR" sz="1100" dirty="0" smtClean="0">
-                <a:latin typeface="+mn-ea"/>
-              </a:rPr>
-              <a:t>.</a:t>
-            </a:r>
-          </a:p>
-          <a:p>
-            <a:r>
-              <a:rPr lang="en-US" altLang="ko-KR" sz="1100" dirty="0" smtClean="0">
-                <a:latin typeface="+mn-ea"/>
-              </a:rPr>
-              <a:t>JSTL</a:t>
-            </a:r>
-            <a:r>
-              <a:rPr lang="ko-KR" altLang="en-US" sz="1100" dirty="0" smtClean="0">
-                <a:latin typeface="+mn-ea"/>
-              </a:rPr>
-              <a:t>의 경우 우리가 사용하는 </a:t>
-            </a:r>
-            <a:r>
-              <a:rPr lang="en-US" altLang="ko-KR" sz="1100" dirty="0" smtClean="0">
-                <a:latin typeface="+mn-ea"/>
-              </a:rPr>
-              <a:t>Tomcat</a:t>
-            </a:r>
-            <a:r>
-              <a:rPr lang="ko-KR" altLang="en-US" sz="1100" dirty="0" smtClean="0">
-                <a:latin typeface="+mn-ea"/>
-              </a:rPr>
-              <a:t>컨테이너에 </a:t>
-            </a:r>
-            <a:r>
               <a:rPr lang="ko-KR" altLang="en-US" sz="1100" dirty="0">
                 <a:latin typeface="+mn-ea"/>
               </a:rPr>
-              <a:t>포</a:t>
-            </a:r>
-            <a:r>
-              <a:rPr lang="ko-KR" altLang="en-US" sz="1100" dirty="0" smtClean="0">
+              <a:t>그래서 이러한 단점을 보완하고자 만들어진 태그 라이브러리가 </a:t>
+            </a:r>
+            <a:r>
+              <a:rPr lang="en-US" altLang="ko-KR" sz="1100" dirty="0">
                 <a:latin typeface="+mn-ea"/>
               </a:rPr>
-              <a:t>함되어 있지 않으므로</a:t>
-            </a:r>
-            <a:r>
-              <a:rPr lang="en-US" altLang="ko-KR" sz="1100" dirty="0" smtClean="0">
+              <a:t>JSTL </a:t>
+            </a:r>
+            <a:r>
+              <a:rPr lang="ko-KR" altLang="en-US" sz="1100" dirty="0">
                 <a:latin typeface="+mn-ea"/>
               </a:rPr>
+              <a:t>입니다</a:t>
+            </a:r>
+            <a:r>
+              <a:rPr lang="en-US" altLang="ko-KR" sz="1100" dirty="0">
+                <a:latin typeface="+mn-ea"/>
+              </a:rPr>
+              <a:t>.</a:t>
+            </a:r>
+          </a:p>
+          <a:p>
+            <a:r>
+              <a:rPr lang="en-US" altLang="ko-KR" sz="1100" dirty="0">
+                <a:latin typeface="+mn-ea"/>
+              </a:rPr>
+              <a:t>JSTL</a:t>
+            </a:r>
+            <a:r>
+              <a:rPr lang="ko-KR" altLang="en-US" sz="1100" dirty="0">
+                <a:latin typeface="+mn-ea"/>
+              </a:rPr>
+              <a:t>의 경우 우리가 사용하는 </a:t>
+            </a:r>
+            <a:r>
+              <a:rPr lang="en-US" altLang="ko-KR" sz="1100" dirty="0">
+                <a:latin typeface="+mn-ea"/>
+              </a:rPr>
+              <a:t>Tomcat</a:t>
+            </a:r>
+            <a:r>
+              <a:rPr lang="ko-KR" altLang="en-US" sz="1100" dirty="0">
+                <a:latin typeface="+mn-ea"/>
+              </a:rPr>
+              <a:t>컨테이너에 포함되어 있지 않으므로</a:t>
+            </a:r>
+            <a:r>
+              <a:rPr lang="en-US" altLang="ko-KR" sz="1100" dirty="0">
+                <a:latin typeface="+mn-ea"/>
+              </a:rPr>
               <a:t>, </a:t>
             </a:r>
             <a:r>
-              <a:rPr lang="ko-KR" altLang="en-US" sz="1100" dirty="0" smtClean="0">
+              <a:rPr lang="ko-KR" altLang="en-US" sz="1100" dirty="0">
                 <a:latin typeface="+mn-ea"/>
               </a:rPr>
               <a:t>별도의 설치를 하고 사용 합니다</a:t>
             </a:r>
             <a:r>
-              <a:rPr lang="en-US" altLang="ko-KR" sz="1100" dirty="0" smtClean="0">
+              <a:rPr lang="en-US" altLang="ko-KR" sz="1100" dirty="0">
                 <a:latin typeface="+mn-ea"/>
               </a:rPr>
               <a:t>.</a:t>
@@ -5344,18 +5235,18 @@
           <a:lstStyle/>
           <a:p>
             <a:r>
-              <a:rPr lang="en-US" altLang="ko-KR" sz="1100" smtClean="0">
+              <a:rPr lang="en-US" altLang="ko-KR" sz="1100">
                 <a:latin typeface="+mn-ea"/>
               </a:rPr>
               <a:t>JSTL </a:t>
             </a:r>
             <a:r>
-              <a:rPr lang="ko-KR" altLang="en-US" sz="1100" dirty="0" smtClean="0">
+              <a:rPr lang="ko-KR" altLang="en-US" sz="1100" dirty="0">
                 <a:latin typeface="+mn-ea"/>
               </a:rPr>
               <a:t>설치</a:t>
             </a:r>
-            <a:endParaRPr lang="en-US" altLang="ko-KR" sz="1100" dirty="0" smtClean="0">
+            <a:endParaRPr lang="en-US" altLang="ko-KR" sz="1100" dirty="0">
               <a:latin typeface="+mn-ea"/>
             </a:endParaRPr>
           </a:p>
@@ -5412,32 +5303,7 @@
                 <a:latin typeface="+mn-ea"/>
                 <a:hlinkClick r:id="rId3"/>
               </a:rPr>
-              <a:t>http://jakarta.apache.org</a:t>
-            </a:r>
-            <a:r>
-              <a:rPr lang="en-US" altLang="ko-KR" sz="1100" dirty="0" smtClean="0">
-                <a:latin typeface="+mn-ea"/>
-                <a:hlinkClick r:id="rId3"/>
-              </a:rPr>
-              <a:t>/</a:t>
-            </a:r>
-            <a:r>
-              <a:rPr lang="en-US" altLang="ko-KR" sz="1100" dirty="0" smtClean="0">
-                <a:latin typeface="+mn-ea"/>
-              </a:rPr>
-              <a:t> </a:t>
-            </a:r>
-            <a:r>
-              <a:rPr lang="ko-KR" altLang="en-US" sz="1100" dirty="0" smtClean="0">
-                <a:latin typeface="+mn-ea"/>
-              </a:rPr>
-              <a:t>접속 한 후</a:t>
-            </a:r>
-            <a:r>
-              <a:rPr lang="en-US" altLang="ko-KR" sz="1100" dirty="0" smtClean="0">
-                <a:latin typeface="+mn-ea"/>
-              </a:rPr>
-              <a:t>,</a:t>
+              <a:t>http://jakarta.apache.org/</a:t>
             </a:r>
             <a:r>
               <a:rPr lang="en-US" altLang="ko-KR" sz="1100" dirty="0">
@@ -5446,30 +5312,42 @@
               <a:t> </a:t>
             </a:r>
             <a:r>
-              <a:rPr lang="ko-KR" altLang="en-US" sz="1100" dirty="0" smtClean="0">
+              <a:rPr lang="ko-KR" altLang="en-US" sz="1100" dirty="0">
                 <a:latin typeface="+mn-ea"/>
               </a:rPr>
+              <a:t>접속 한 후</a:t>
+            </a:r>
+            <a:r>
+              <a:rPr lang="en-US" altLang="ko-KR" sz="1100" dirty="0">
+                <a:latin typeface="+mn-ea"/>
+              </a:rPr>
+              <a:t>, </a:t>
+            </a:r>
+            <a:r>
+              <a:rPr lang="ko-KR" altLang="en-US" sz="1100" dirty="0">
+                <a:latin typeface="+mn-ea"/>
+              </a:rPr>
               <a:t>좌측의 </a:t>
             </a:r>
             <a:r>
-              <a:rPr lang="en-US" altLang="ko-KR" sz="1100" dirty="0" err="1" smtClean="0">
+              <a:rPr lang="en-US" altLang="ko-KR" sz="1100" dirty="0" err="1">
                 <a:latin typeface="+mn-ea"/>
               </a:rPr>
               <a:t>Taglibs</a:t>
             </a:r>
             <a:r>
-              <a:rPr lang="en-US" altLang="ko-KR" sz="1100" dirty="0" smtClean="0">
+              <a:rPr lang="en-US" altLang="ko-KR" sz="1100" dirty="0">
                 <a:latin typeface="+mn-ea"/>
               </a:rPr>
               <a:t> </a:t>
             </a:r>
             <a:r>
-              <a:rPr lang="ko-KR" altLang="en-US" sz="1100" dirty="0" smtClean="0">
+              <a:rPr lang="ko-KR" altLang="en-US" sz="1100" dirty="0">
                 <a:latin typeface="+mn-ea"/>
               </a:rPr>
               <a:t>클릭</a:t>
             </a:r>
-            <a:endParaRPr lang="en-US" altLang="ko-KR" sz="1100" dirty="0" smtClean="0">
+            <a:endParaRPr lang="en-US" altLang="ko-KR" sz="1100" dirty="0">
               <a:latin typeface="+mn-ea"/>
             </a:endParaRPr>
           </a:p>
@@ -5574,24 +5452,24 @@
               <a:t>Apache Standard </a:t>
             </a:r>
             <a:r>
-              <a:rPr lang="en-US" altLang="ko-KR" sz="1100" dirty="0" err="1" smtClean="0">
+              <a:rPr lang="en-US" altLang="ko-KR" sz="1100" dirty="0" err="1">
                 <a:latin typeface="+mn-ea"/>
               </a:rPr>
               <a:t>Taglib</a:t>
             </a:r>
             <a:r>
-              <a:rPr lang="en-US" altLang="ko-KR" sz="1100" dirty="0" smtClean="0">
+              <a:rPr lang="en-US" altLang="ko-KR" sz="1100" dirty="0">
                 <a:latin typeface="+mn-ea"/>
               </a:rPr>
               <a:t> </a:t>
             </a:r>
             <a:r>
-              <a:rPr lang="ko-KR" altLang="en-US" sz="1100" dirty="0" smtClean="0">
+              <a:rPr lang="ko-KR" altLang="en-US" sz="1100" dirty="0">
                 <a:latin typeface="+mn-ea"/>
               </a:rPr>
               <a:t>클릭</a:t>
             </a:r>
-            <a:endParaRPr lang="en-US" altLang="ko-KR" sz="1100" dirty="0" smtClean="0">
+            <a:endParaRPr lang="en-US" altLang="ko-KR" sz="1100" dirty="0">
               <a:latin typeface="+mn-ea"/>
             </a:endParaRPr>
           </a:p>
@@ -5682,13 +5560,6 @@
   <p:clrMapOvr>
     <a:masterClrMapping/>
   </p:clrMapOvr>
-  <p:timing>
-    <p:tnLst>
-      <p:par>
-        <p:cTn id="1" dur="indefinite" restart="never" nodeType="tmRoot"/>
-      </p:par>
-    </p:tnLst>
-  </p:timing>
 </p:sld>
 </file>
 
@@ -5732,7 +5603,7 @@
           <a:lstStyle/>
           <a:p>
             <a:r>
-              <a:rPr lang="en-US" altLang="ko-KR" sz="1600" b="1" kern="1200" dirty="0" smtClean="0">
+              <a:rPr lang="en-US" altLang="ko-KR" sz="1600" b="1" kern="1200" dirty="0">
                 <a:solidFill>
                   <a:schemeClr val="tx1"/>
                 </a:solidFill>
@@ -5743,7 +5614,7 @@
               <a:t>24-1.</a:t>
             </a:r>
             <a:r>
-              <a:rPr lang="en-US" altLang="ko-KR" sz="1600" b="1" kern="1200" baseline="0" dirty="0" smtClean="0">
+              <a:rPr lang="en-US" altLang="ko-KR" sz="1600" b="1" kern="1200" baseline="0" dirty="0">
                 <a:solidFill>
                   <a:schemeClr val="tx1"/>
                 </a:solidFill>
@@ -5754,7 +5625,7 @@
               <a:t> </a:t>
             </a:r>
             <a:r>
-              <a:rPr lang="en-US" altLang="ko-KR" sz="1600" dirty="0" smtClean="0">
+              <a:rPr lang="en-US" altLang="ko-KR" sz="1600" dirty="0">
                 <a:solidFill>
                   <a:schemeClr val="tx1">
                     <a:lumMod val="65000"/>
@@ -5766,7 +5637,7 @@
               <a:t>JSTL </a:t>
             </a:r>
             <a:r>
-              <a:rPr lang="ko-KR" altLang="en-US" sz="1600" dirty="0" smtClean="0">
+              <a:rPr lang="ko-KR" altLang="en-US" sz="1600" dirty="0">
                 <a:solidFill>
                   <a:schemeClr val="tx1">
                     <a:lumMod val="65000"/>
@@ -5912,18 +5783,18 @@
           <a:lstStyle/>
           <a:p>
             <a:r>
-              <a:rPr lang="en-US" altLang="ko-KR" sz="1100" dirty="0" smtClean="0">
+              <a:rPr lang="en-US" altLang="ko-KR" sz="1100" dirty="0">
                 <a:latin typeface="+mn-ea"/>
               </a:rPr>
               <a:t>JSTL </a:t>
             </a:r>
             <a:r>
-              <a:rPr lang="ko-KR" altLang="en-US" sz="1100" dirty="0" smtClean="0">
+              <a:rPr lang="ko-KR" altLang="en-US" sz="1100" dirty="0">
                 <a:latin typeface="+mn-ea"/>
               </a:rPr>
               <a:t>설치</a:t>
             </a:r>
-            <a:endParaRPr lang="en-US" altLang="ko-KR" sz="1100" dirty="0" smtClean="0">
+            <a:endParaRPr lang="en-US" altLang="ko-KR" sz="1100" dirty="0">
               <a:latin typeface="+mn-ea"/>
             </a:endParaRPr>
           </a:p>
@@ -5976,18 +5847,18 @@
           <a:lstStyle/>
           <a:p>
             <a:r>
-              <a:rPr lang="en-US" altLang="ko-KR" sz="1100" dirty="0" smtClean="0">
+              <a:rPr lang="en-US" altLang="ko-KR" sz="1100" dirty="0">
                 <a:latin typeface="+mn-ea"/>
               </a:rPr>
               <a:t>Standard 1.1 download </a:t>
             </a:r>
             <a:r>
-              <a:rPr lang="ko-KR" altLang="en-US" sz="1100" dirty="0" smtClean="0">
+              <a:rPr lang="ko-KR" altLang="en-US" sz="1100" dirty="0">
                 <a:latin typeface="+mn-ea"/>
               </a:rPr>
               <a:t>클릭</a:t>
             </a:r>
-            <a:endParaRPr lang="en-US" altLang="ko-KR" sz="1100" dirty="0" smtClean="0">
+            <a:endParaRPr lang="en-US" altLang="ko-KR" sz="1100" dirty="0">
               <a:latin typeface="+mn-ea"/>
             </a:endParaRPr>
           </a:p>
@@ -6086,18 +5957,18 @@
           <a:lstStyle/>
           <a:p>
             <a:r>
-              <a:rPr lang="en-US" altLang="ko-KR" sz="1100" dirty="0" smtClean="0">
+              <a:rPr lang="en-US" altLang="ko-KR" sz="1100" dirty="0">
                 <a:latin typeface="+mn-ea"/>
               </a:rPr>
               <a:t>binaries </a:t>
             </a:r>
             <a:r>
-              <a:rPr lang="ko-KR" altLang="en-US" sz="1100" dirty="0" smtClean="0">
+              <a:rPr lang="ko-KR" altLang="en-US" sz="1100" dirty="0">
                 <a:latin typeface="+mn-ea"/>
               </a:rPr>
               <a:t>클릭</a:t>
             </a:r>
-            <a:endParaRPr lang="en-US" altLang="ko-KR" sz="1100" dirty="0" smtClean="0">
+            <a:endParaRPr lang="en-US" altLang="ko-KR" sz="1100" dirty="0">
               <a:latin typeface="+mn-ea"/>
             </a:endParaRPr>
           </a:p>
@@ -6159,13 +6030,6 @@
   <p:clrMapOvr>
     <a:masterClrMapping/>
   </p:clrMapOvr>
-  <p:timing>
-    <p:tnLst>
-      <p:par>
-        <p:cTn id="1" dur="indefinite" restart="never" nodeType="tmRoot"/>
-      </p:par>
-    </p:tnLst>
-  </p:timing>
 </p:sld>
 </file>
 
@@ -6233,7 +6097,7 @@
           <a:lstStyle/>
           <a:p>
             <a:r>
-              <a:rPr lang="en-US" altLang="ko-KR" sz="1600" b="1" kern="1200" dirty="0" smtClean="0">
+              <a:rPr lang="en-US" altLang="ko-KR" sz="1600" b="1" kern="1200" dirty="0">
                 <a:solidFill>
                   <a:schemeClr val="tx1"/>
                 </a:solidFill>
@@ -6244,7 +6108,7 @@
               <a:t>24-1.</a:t>
             </a:r>
             <a:r>
-              <a:rPr lang="en-US" altLang="ko-KR" sz="1600" b="1" kern="1200" baseline="0" dirty="0" smtClean="0">
+              <a:rPr lang="en-US" altLang="ko-KR" sz="1600" b="1" kern="1200" baseline="0" dirty="0">
                 <a:solidFill>
                   <a:schemeClr val="tx1"/>
                 </a:solidFill>
@@ -6255,7 +6119,7 @@
               <a:t> </a:t>
             </a:r>
             <a:r>
-              <a:rPr lang="en-US" altLang="ko-KR" sz="1600" dirty="0" smtClean="0">
+              <a:rPr lang="en-US" altLang="ko-KR" sz="1600" dirty="0">
                 <a:solidFill>
                   <a:schemeClr val="tx1">
                     <a:lumMod val="65000"/>
@@ -6267,7 +6131,7 @@
               <a:t>JSTL </a:t>
             </a:r>
             <a:r>
-              <a:rPr lang="ko-KR" altLang="en-US" sz="1600" dirty="0" smtClean="0">
+              <a:rPr lang="ko-KR" altLang="en-US" sz="1600" dirty="0">
                 <a:solidFill>
                   <a:schemeClr val="tx1">
                     <a:lumMod val="65000"/>
@@ -6413,18 +6277,18 @@
           <a:lstStyle/>
           <a:p>
             <a:r>
-              <a:rPr lang="en-US" altLang="ko-KR" sz="1100" dirty="0" smtClean="0">
+              <a:rPr lang="en-US" altLang="ko-KR" sz="1100" dirty="0">
                 <a:latin typeface="+mn-ea"/>
               </a:rPr>
               <a:t>JSTL </a:t>
             </a:r>
             <a:r>
-              <a:rPr lang="ko-KR" altLang="en-US" sz="1100" dirty="0" smtClean="0">
+              <a:rPr lang="ko-KR" altLang="en-US" sz="1100" dirty="0">
                 <a:latin typeface="+mn-ea"/>
               </a:rPr>
               <a:t>설치</a:t>
             </a:r>
-            <a:endParaRPr lang="en-US" altLang="ko-KR" sz="1100" dirty="0" smtClean="0">
+            <a:endParaRPr lang="en-US" altLang="ko-KR" sz="1100" dirty="0">
               <a:latin typeface="+mn-ea"/>
             </a:endParaRPr>
           </a:p>
@@ -6453,18 +6317,18 @@
           <a:lstStyle/>
           <a:p>
             <a:r>
-              <a:rPr lang="en-US" altLang="ko-KR" sz="1100" dirty="0" smtClean="0">
+              <a:rPr lang="en-US" altLang="ko-KR" sz="1100" dirty="0">
                 <a:latin typeface="+mn-ea"/>
               </a:rPr>
               <a:t>jakarta-taglibs-standard-1.1.2.zip </a:t>
             </a:r>
             <a:r>
-              <a:rPr lang="ko-KR" altLang="en-US" sz="1100" dirty="0" smtClean="0">
+              <a:rPr lang="ko-KR" altLang="en-US" sz="1100" dirty="0">
                 <a:latin typeface="+mn-ea"/>
               </a:rPr>
               <a:t>클릭</a:t>
             </a:r>
-            <a:endParaRPr lang="en-US" altLang="ko-KR" sz="1100" dirty="0" smtClean="0">
+            <a:endParaRPr lang="en-US" altLang="ko-KR" sz="1100" dirty="0">
               <a:latin typeface="+mn-ea"/>
             </a:endParaRPr>
           </a:p>
@@ -6563,12 +6427,12 @@
           <a:lstStyle/>
           <a:p>
             <a:r>
-              <a:rPr lang="ko-KR" altLang="en-US" sz="1100" dirty="0" smtClean="0">
+              <a:rPr lang="ko-KR" altLang="en-US" sz="1100" dirty="0">
                 <a:latin typeface="+mn-ea"/>
               </a:rPr>
               <a:t>압축해제</a:t>
             </a:r>
-            <a:endParaRPr lang="en-US" altLang="ko-KR" sz="1100" dirty="0" smtClean="0">
+            <a:endParaRPr lang="en-US" altLang="ko-KR" sz="1100" dirty="0">
               <a:latin typeface="+mn-ea"/>
             </a:endParaRPr>
           </a:p>
@@ -6676,13 +6540,6 @@
   <p:clrMapOvr>
     <a:masterClrMapping/>
   </p:clrMapOvr>
-  <p:timing>
-    <p:tnLst>
-      <p:par>
-        <p:cTn id="1" dur="indefinite" restart="never" nodeType="tmRoot"/>
-      </p:par>
-    </p:tnLst>
-  </p:timing>
 </p:sld>
 </file>
 
@@ -6750,7 +6607,7 @@
           <a:lstStyle/>
           <a:p>
             <a:r>
-              <a:rPr lang="en-US" altLang="ko-KR" sz="1600" b="1" kern="1200" dirty="0" smtClean="0">
+              <a:rPr lang="en-US" altLang="ko-KR" sz="1600" b="1" kern="1200" dirty="0">
                 <a:solidFill>
                   <a:schemeClr val="tx1"/>
                 </a:solidFill>
@@ -6761,7 +6618,7 @@
               <a:t>24-1.</a:t>
             </a:r>
             <a:r>
-              <a:rPr lang="en-US" altLang="ko-KR" sz="1600" b="1" kern="1200" baseline="0" dirty="0" smtClean="0">
+              <a:rPr lang="en-US" altLang="ko-KR" sz="1600" b="1" kern="1200" baseline="0" dirty="0">
                 <a:solidFill>
                   <a:schemeClr val="tx1"/>
                 </a:solidFill>
@@ -6772,7 +6629,7 @@
               <a:t> </a:t>
             </a:r>
             <a:r>
-              <a:rPr lang="en-US" altLang="ko-KR" sz="1600" dirty="0" smtClean="0">
+              <a:rPr lang="en-US" altLang="ko-KR" sz="1600" dirty="0">
                 <a:solidFill>
                   <a:schemeClr val="tx1">
                     <a:lumMod val="65000"/>
@@ -6784,7 +6641,7 @@
               <a:t>JSTL </a:t>
             </a:r>
             <a:r>
-              <a:rPr lang="ko-KR" altLang="en-US" sz="1600" dirty="0" smtClean="0">
+              <a:rPr lang="ko-KR" altLang="en-US" sz="1600" dirty="0">
                 <a:solidFill>
                   <a:schemeClr val="tx1">
                     <a:lumMod val="65000"/>
@@ -6930,18 +6787,18 @@
           <a:lstStyle/>
           <a:p>
             <a:r>
-              <a:rPr lang="en-US" altLang="ko-KR" sz="1100" dirty="0" smtClean="0">
+              <a:rPr lang="en-US" altLang="ko-KR" sz="1100" dirty="0">
                 <a:latin typeface="+mn-ea"/>
               </a:rPr>
               <a:t>JSTL </a:t>
             </a:r>
             <a:r>
-              <a:rPr lang="ko-KR" altLang="en-US" sz="1100" dirty="0" smtClean="0">
+              <a:rPr lang="ko-KR" altLang="en-US" sz="1100" dirty="0">
                 <a:latin typeface="+mn-ea"/>
               </a:rPr>
               <a:t>설치</a:t>
             </a:r>
-            <a:endParaRPr lang="en-US" altLang="ko-KR" sz="1100" dirty="0" smtClean="0">
+            <a:endParaRPr lang="en-US" altLang="ko-KR" sz="1100" dirty="0">
               <a:latin typeface="+mn-ea"/>
             </a:endParaRPr>
           </a:p>
@@ -6970,12 +6827,12 @@
           <a:lstStyle/>
           <a:p>
             <a:r>
-              <a:rPr lang="ko-KR" altLang="en-US" sz="1100" dirty="0" smtClean="0">
+              <a:rPr lang="ko-KR" altLang="en-US" sz="1100" dirty="0">
                 <a:latin typeface="+mn-ea"/>
               </a:rPr>
               <a:t>라이브러리 파일 복사</a:t>
             </a:r>
-            <a:endParaRPr lang="en-US" altLang="ko-KR" sz="1100" dirty="0" smtClean="0">
+            <a:endParaRPr lang="en-US" altLang="ko-KR" sz="1100" dirty="0">
               <a:latin typeface="+mn-ea"/>
             </a:endParaRPr>
           </a:p>
@@ -7186,13 +7043,6 @@
   <p:clrMapOvr>
     <a:masterClrMapping/>
   </p:clrMapOvr>
-  <p:timing>
-    <p:tnLst>
-      <p:par>
-        <p:cTn id="1" dur="indefinite" restart="never" nodeType="tmRoot"/>
-      </p:par>
-    </p:tnLst>
-  </p:timing>
 </p:sld>
 </file>
 
@@ -7236,7 +7086,7 @@
           <a:lstStyle/>
           <a:p>
             <a:r>
-              <a:rPr lang="en-US" altLang="ko-KR" sz="1600" b="1" kern="1200" dirty="0" smtClean="0">
+              <a:rPr lang="en-US" altLang="ko-KR" sz="1600" b="1" kern="1200" dirty="0">
                 <a:solidFill>
                   <a:schemeClr val="tx1"/>
                 </a:solidFill>
@@ -7247,7 +7097,7 @@
               <a:t>24-2.</a:t>
             </a:r>
             <a:r>
-              <a:rPr lang="en-US" altLang="ko-KR" sz="1600" b="1" kern="1200" baseline="0" dirty="0" smtClean="0">
+              <a:rPr lang="en-US" altLang="ko-KR" sz="1600" b="1" kern="1200" baseline="0" dirty="0">
                 <a:solidFill>
                   <a:schemeClr val="tx1"/>
                 </a:solidFill>
@@ -7258,7 +7108,7 @@
               <a:t> </a:t>
             </a:r>
             <a:r>
-              <a:rPr lang="en-US" altLang="ko-KR" sz="1600" dirty="0" smtClean="0">
+              <a:rPr lang="en-US" altLang="ko-KR" sz="1600" dirty="0">
                 <a:solidFill>
                   <a:schemeClr val="tx1">
                     <a:lumMod val="65000"/>
@@ -7270,7 +7120,7 @@
               <a:t>JSTL </a:t>
             </a:r>
             <a:r>
-              <a:rPr lang="ko-KR" altLang="en-US" sz="1600" dirty="0" smtClean="0">
+              <a:rPr lang="ko-KR" altLang="en-US" sz="1600" dirty="0">
                 <a:solidFill>
                   <a:schemeClr val="tx1">
                     <a:lumMod val="65000"/>
@@ -7416,7 +7266,7 @@
           <a:lstStyle/>
           <a:p>
             <a:r>
-              <a:rPr lang="en-US" altLang="ko-KR" sz="1100" dirty="0" smtClean="0">
+              <a:rPr lang="en-US" altLang="ko-KR" sz="1100" dirty="0">
                 <a:latin typeface="+mn-ea"/>
               </a:rPr>
               <a:t>Core</a:t>
@@ -7447,19 +7297,19 @@
           <a:lstStyle/>
           <a:p>
             <a:r>
-              <a:rPr lang="en-US" altLang="ko-KR" sz="1100" dirty="0" smtClean="0">
+              <a:rPr lang="en-US" altLang="ko-KR" sz="1100" dirty="0">
                 <a:latin typeface="+mn-ea"/>
               </a:rPr>
               <a:t>JSTL</a:t>
             </a:r>
             <a:r>
-              <a:rPr lang="ko-KR" altLang="en-US" sz="1100" dirty="0" smtClean="0">
+              <a:rPr lang="ko-KR" altLang="en-US" sz="1100" dirty="0">
                 <a:latin typeface="+mn-ea"/>
               </a:rPr>
               <a:t>에서는 다섯 가지의  라이브러리를 제공 합니다</a:t>
             </a:r>
             <a:r>
-              <a:rPr lang="en-US" altLang="ko-KR" sz="1100" dirty="0" smtClean="0">
+              <a:rPr lang="en-US" altLang="ko-KR" sz="1100" dirty="0">
                 <a:latin typeface="+mn-ea"/>
               </a:rPr>
               <a:t>. ( Core, XML Processing, I18N formatting, SQL, Functions )</a:t>
@@ -8186,50 +8036,34 @@
           <a:p>
             <a:pPr algn="ctr"/>
             <a:r>
-              <a:rPr lang="en-US" altLang="ko-KR" dirty="0" smtClean="0"/>
+              <a:rPr lang="en-US" altLang="ko-KR" dirty="0"/>
               <a:t>&lt;%@ </a:t>
             </a:r>
             <a:r>
-              <a:rPr lang="en-US" altLang="ko-KR" dirty="0" err="1" smtClean="0"/>
+              <a:rPr lang="en-US" altLang="ko-KR" dirty="0" err="1"/>
               <a:t>taglib</a:t>
             </a:r>
             <a:r>
-              <a:rPr lang="en-US" altLang="ko-KR" dirty="0" smtClean="0"/>
+              <a:rPr lang="en-US" altLang="ko-KR" dirty="0"/>
               <a:t> </a:t>
             </a:r>
             <a:r>
-              <a:rPr lang="en-US" altLang="ko-KR" dirty="0" err="1" smtClean="0"/>
+              <a:rPr lang="en-US" altLang="ko-KR" dirty="0" err="1"/>
               <a:t>uri</a:t>
             </a:r>
             <a:r>
-              <a:rPr lang="en-US" altLang="ko-KR" dirty="0" smtClean="0"/>
+              <a:rPr lang="en-US" altLang="ko-KR" dirty="0"/>
               <a:t>=</a:t>
-            </a:r>
-            <a:r>
-              <a:rPr lang="en-US" altLang="ko-KR" dirty="0" smtClean="0">
-                <a:hlinkClick r:id="rId2"/>
-              </a:rPr>
-              <a:t>http</a:t>
             </a:r>
             <a:r>
               <a:rPr lang="en-US" altLang="ko-KR" dirty="0">
                 <a:hlinkClick r:id="rId2"/>
               </a:rPr>
-              <a:t>://</a:t>
-            </a:r>
-            <a:r>
-              <a:rPr lang="en-US" altLang="ko-KR" dirty="0" smtClean="0">
-                <a:hlinkClick r:id="rId2"/>
-              </a:rPr>
-              <a:t>java.sun.com/jsp/jstl/core</a:t>
-            </a:r>
-            <a:r>
-              <a:rPr lang="en-US" altLang="ko-KR" dirty="0" smtClean="0"/>
-              <a:t> prefix=“c” </a:t>
+              <a:t>http://java.sun.com/jsp/jstl/core</a:t>
             </a:r>
             <a:r>
               <a:rPr lang="en-US" altLang="ko-KR" dirty="0"/>
-              <a:t>%&gt;</a:t>
+              <a:t> prefix=“c” %&gt;</a:t>
             </a:r>
             <a:endParaRPr lang="ko-KR" altLang="en-US" dirty="0"/>
           </a:p>
@@ -8258,72 +8092,60 @@
           <a:lstStyle/>
           <a:p>
             <a:r>
-              <a:rPr lang="en-US" altLang="ko-KR" sz="1100" dirty="0" smtClean="0">
+              <a:rPr lang="en-US" altLang="ko-KR" sz="1100" dirty="0">
                 <a:latin typeface="+mn-ea"/>
               </a:rPr>
               <a:t>Core </a:t>
             </a:r>
             <a:r>
-              <a:rPr lang="ko-KR" altLang="en-US" sz="1100" dirty="0" smtClean="0">
+              <a:rPr lang="ko-KR" altLang="en-US" sz="1100" dirty="0">
                 <a:latin typeface="+mn-ea"/>
               </a:rPr>
               <a:t>라이브러리는 기본적인 라이브러리로 출력</a:t>
             </a:r>
             <a:r>
-              <a:rPr lang="en-US" altLang="ko-KR" sz="1100" dirty="0" smtClean="0">
+              <a:rPr lang="en-US" altLang="ko-KR" sz="1100" dirty="0">
                 <a:latin typeface="+mn-ea"/>
               </a:rPr>
               <a:t>, </a:t>
-            </a:r>
-            <a:r>
-              <a:rPr lang="ko-KR" altLang="en-US" sz="1100" dirty="0" err="1" smtClean="0">
-                <a:latin typeface="+mn-ea"/>
-              </a:rPr>
-              <a:t>제어</a:t>
             </a:r>
             <a:r>
               <a:rPr lang="ko-KR" altLang="en-US" sz="1100" dirty="0" err="1">
                 <a:latin typeface="+mn-ea"/>
               </a:rPr>
-              <a:t>문</a:t>
-            </a:r>
-            <a:r>
-              <a:rPr lang="en-US" altLang="ko-KR" sz="1100" dirty="0" smtClean="0">
-                <a:latin typeface="+mn-ea"/>
-              </a:rPr>
-              <a:t>, </a:t>
-            </a:r>
-            <a:r>
-              <a:rPr lang="ko-KR" altLang="en-US" sz="1100" dirty="0" err="1" smtClean="0">
-                <a:latin typeface="+mn-ea"/>
-              </a:rPr>
-              <a:t>반복문</a:t>
-            </a:r>
-            <a:r>
-              <a:rPr lang="ko-KR" altLang="en-US" sz="1100" dirty="0" smtClean="0">
-                <a:latin typeface="+mn-ea"/>
-              </a:rPr>
-              <a:t> 같은 기능이 포함되어 있습니다</a:t>
-            </a:r>
-            <a:r>
-              <a:rPr lang="en-US" altLang="ko-KR" sz="1100" dirty="0" smtClean="0">
-                <a:latin typeface="+mn-ea"/>
-              </a:rPr>
-              <a:t>.</a:t>
-            </a:r>
-          </a:p>
-          <a:p>
+              <a:t>제어문</a:t>
+            </a:r>
             <a:r>
               <a:rPr lang="en-US" altLang="ko-KR" sz="1100" dirty="0">
                 <a:latin typeface="+mn-ea"/>
               </a:rPr>
-              <a:t>(</a:t>
-            </a:r>
-            <a:r>
-              <a:rPr lang="en-US" altLang="ko-KR" sz="1100" dirty="0" smtClean="0">
+              <a:t>, </a:t>
+            </a:r>
+            <a:r>
+              <a:rPr lang="ko-KR" altLang="en-US" sz="1100" dirty="0" err="1">
                 <a:latin typeface="+mn-ea"/>
               </a:rPr>
-              <a:t>jsp_24_2_ex1_elex)</a:t>
+              <a:t>반복문</a:t>
+            </a:r>
+            <a:r>
+              <a:rPr lang="ko-KR" altLang="en-US" sz="1100" dirty="0">
+                <a:latin typeface="+mn-ea"/>
+              </a:rPr>
+              <a:t> 같은 기능이 포함되어 있습니다</a:t>
+            </a:r>
+            <a:r>
+              <a:rPr lang="en-US" altLang="ko-KR" sz="1100" dirty="0">
+                <a:latin typeface="+mn-ea"/>
+              </a:rPr>
+              <a:t>.</a:t>
+            </a:r>
+          </a:p>
+          <a:p>
+            <a:r>
+              <a:rPr lang="en-US" altLang="ko-KR" sz="1100" dirty="0">
+                <a:latin typeface="+mn-ea"/>
+              </a:rPr>
+              <a:t>(jsp_24_2_ex1_elex)</a:t>
             </a:r>
           </a:p>
         </p:txBody>
@@ -8338,13 +8160,6 @@
   <p:clrMapOvr>
     <a:masterClrMapping/>
   </p:clrMapOvr>
-  <p:timing>
-    <p:tnLst>
-      <p:par>
-        <p:cTn id="1" dur="indefinite" restart="never" nodeType="tmRoot"/>
-      </p:par>
-    </p:tnLst>
-  </p:timing>
 </p:sld>
 </file>
 
@@ -8388,7 +8203,7 @@
           <a:lstStyle/>
           <a:p>
             <a:r>
-              <a:rPr lang="en-US" altLang="ko-KR" sz="1600" b="1" kern="1200" dirty="0" smtClean="0">
+              <a:rPr lang="en-US" altLang="ko-KR" sz="1600" b="1" kern="1200" dirty="0">
                 <a:solidFill>
                   <a:schemeClr val="tx1"/>
                 </a:solidFill>
@@ -8399,7 +8214,7 @@
               <a:t>24-2.</a:t>
             </a:r>
             <a:r>
-              <a:rPr lang="en-US" altLang="ko-KR" sz="1600" b="1" kern="1200" baseline="0" dirty="0" smtClean="0">
+              <a:rPr lang="en-US" altLang="ko-KR" sz="1600" b="1" kern="1200" baseline="0" dirty="0">
                 <a:solidFill>
                   <a:schemeClr val="tx1"/>
                 </a:solidFill>
@@ -8410,7 +8225,7 @@
               <a:t> </a:t>
             </a:r>
             <a:r>
-              <a:rPr lang="en-US" altLang="ko-KR" sz="1600" dirty="0" smtClean="0">
+              <a:rPr lang="en-US" altLang="ko-KR" sz="1600" dirty="0">
                 <a:solidFill>
                   <a:schemeClr val="tx1">
                     <a:lumMod val="65000"/>
@@ -8422,7 +8237,7 @@
               <a:t>JSTL </a:t>
             </a:r>
             <a:r>
-              <a:rPr lang="ko-KR" altLang="en-US" sz="1600" dirty="0" smtClean="0">
+              <a:rPr lang="ko-KR" altLang="en-US" sz="1600" dirty="0">
                 <a:solidFill>
                   <a:schemeClr val="tx1">
                     <a:lumMod val="65000"/>
@@ -8582,25 +8397,25 @@
             <a:lstStyle/>
             <a:p>
               <a:r>
-                <a:rPr lang="ko-KR" altLang="en-US" sz="1100" dirty="0" smtClean="0">
+                <a:rPr lang="ko-KR" altLang="en-US" sz="1100" dirty="0">
                   <a:latin typeface="+mn-ea"/>
                 </a:rPr>
                 <a:t>출력 태그 </a:t>
               </a:r>
               <a:r>
-                <a:rPr lang="en-US" altLang="ko-KR" sz="1100" dirty="0" smtClean="0">
+                <a:rPr lang="en-US" altLang="ko-KR" sz="1100" dirty="0">
                   <a:latin typeface="+mn-ea"/>
                 </a:rPr>
                 <a:t>: &lt;</a:t>
               </a:r>
               <a:r>
-                <a:rPr lang="en-US" altLang="ko-KR" sz="1100" dirty="0" err="1" smtClean="0">
+                <a:rPr lang="en-US" altLang="ko-KR" sz="1100" dirty="0" err="1">
                   <a:latin typeface="+mn-ea"/>
                 </a:rPr>
                 <a:t>c:out</a:t>
               </a:r>
               <a:r>
-                <a:rPr lang="en-US" altLang="ko-KR" sz="1100" dirty="0" smtClean="0">
+                <a:rPr lang="en-US" altLang="ko-KR" sz="1100" dirty="0">
                   <a:latin typeface="+mn-ea"/>
                 </a:rPr>
                 <a:t>&gt;</a:t>
@@ -8644,39 +8459,39 @@
             <a:lstStyle/>
             <a:p>
               <a:r>
-                <a:rPr lang="en-US" altLang="ko-KR" dirty="0" smtClean="0"/>
+                <a:rPr lang="en-US" altLang="ko-KR" dirty="0"/>
                 <a:t>&lt;</a:t>
               </a:r>
               <a:r>
-                <a:rPr lang="en-US" altLang="ko-KR" dirty="0" err="1" smtClean="0"/>
+                <a:rPr lang="en-US" altLang="ko-KR" dirty="0" err="1"/>
                 <a:t>c:out</a:t>
               </a:r>
               <a:r>
-                <a:rPr lang="en-US" altLang="ko-KR" dirty="0" smtClean="0"/>
+                <a:rPr lang="en-US" altLang="ko-KR" dirty="0"/>
                 <a:t> value=“</a:t>
               </a:r>
               <a:r>
-                <a:rPr lang="ko-KR" altLang="en-US" dirty="0" err="1" smtClean="0"/>
+                <a:rPr lang="ko-KR" altLang="en-US" dirty="0" err="1"/>
                 <a:t>출력값</a:t>
               </a:r>
               <a:r>
-                <a:rPr lang="en-US" altLang="ko-KR" dirty="0" smtClean="0"/>
+                <a:rPr lang="en-US" altLang="ko-KR" dirty="0"/>
                 <a:t>” default=“</a:t>
               </a:r>
               <a:r>
-                <a:rPr lang="ko-KR" altLang="en-US" dirty="0" smtClean="0"/>
+                <a:rPr lang="ko-KR" altLang="en-US" dirty="0"/>
                 <a:t>기본값</a:t>
               </a:r>
               <a:r>
-                <a:rPr lang="en-US" altLang="ko-KR" dirty="0" smtClean="0"/>
+                <a:rPr lang="en-US" altLang="ko-KR" dirty="0"/>
                 <a:t>” </a:t>
               </a:r>
               <a:r>
-                <a:rPr lang="en-US" altLang="ko-KR" dirty="0" err="1" smtClean="0"/>
+                <a:rPr lang="en-US" altLang="ko-KR" dirty="0" err="1"/>
                 <a:t>escapeXml</a:t>
               </a:r>
               <a:r>
-                <a:rPr lang="en-US" altLang="ko-KR" dirty="0" smtClean="0"/>
+                <a:rPr lang="en-US" altLang="ko-KR" dirty="0"/>
                 <a:t>=“true or false”&gt;</a:t>
               </a:r>
               <a:endParaRPr lang="ko-KR" altLang="en-US" dirty="0"/>
@@ -8744,25 +8559,25 @@
             <a:lstStyle/>
             <a:p>
               <a:r>
-                <a:rPr lang="ko-KR" altLang="en-US" sz="1100" dirty="0" smtClean="0">
+                <a:rPr lang="ko-KR" altLang="en-US" sz="1100" dirty="0">
                   <a:latin typeface="+mn-ea"/>
                 </a:rPr>
                 <a:t>변수 설정 태그 </a:t>
               </a:r>
               <a:r>
-                <a:rPr lang="en-US" altLang="ko-KR" sz="1100" dirty="0" smtClean="0">
+                <a:rPr lang="en-US" altLang="ko-KR" sz="1100" dirty="0">
                   <a:latin typeface="+mn-ea"/>
                 </a:rPr>
                 <a:t>: &lt;</a:t>
               </a:r>
               <a:r>
-                <a:rPr lang="en-US" altLang="ko-KR" sz="1100" dirty="0" err="1" smtClean="0">
+                <a:rPr lang="en-US" altLang="ko-KR" sz="1100" dirty="0" err="1">
                   <a:latin typeface="+mn-ea"/>
                 </a:rPr>
                 <a:t>c:set</a:t>
               </a:r>
               <a:r>
-                <a:rPr lang="en-US" altLang="ko-KR" sz="1100" dirty="0" smtClean="0">
+                <a:rPr lang="en-US" altLang="ko-KR" sz="1100" dirty="0">
                   <a:latin typeface="+mn-ea"/>
                 </a:rPr>
                 <a:t>&gt;</a:t>
@@ -8806,63 +8621,63 @@
             <a:lstStyle/>
             <a:p>
               <a:r>
-                <a:rPr lang="en-US" altLang="ko-KR" dirty="0" smtClean="0"/>
+                <a:rPr lang="en-US" altLang="ko-KR" dirty="0"/>
                 <a:t>&lt;</a:t>
               </a:r>
               <a:r>
-                <a:rPr lang="en-US" altLang="ko-KR" dirty="0" err="1" smtClean="0"/>
+                <a:rPr lang="en-US" altLang="ko-KR" dirty="0" err="1"/>
                 <a:t>c:set</a:t>
               </a:r>
               <a:r>
-                <a:rPr lang="en-US" altLang="ko-KR" dirty="0" smtClean="0"/>
+                <a:rPr lang="en-US" altLang="ko-KR" dirty="0"/>
                 <a:t> </a:t>
               </a:r>
               <a:r>
-                <a:rPr lang="en-US" altLang="ko-KR" dirty="0" err="1" smtClean="0"/>
+                <a:rPr lang="en-US" altLang="ko-KR" dirty="0" err="1"/>
                 <a:t>var</a:t>
               </a:r>
               <a:r>
-                <a:rPr lang="en-US" altLang="ko-KR" dirty="0" smtClean="0"/>
+                <a:rPr lang="en-US" altLang="ko-KR" dirty="0"/>
                 <a:t>=“</a:t>
               </a:r>
               <a:r>
-                <a:rPr lang="ko-KR" altLang="en-US" dirty="0" err="1" smtClean="0"/>
+                <a:rPr lang="ko-KR" altLang="en-US" dirty="0" err="1"/>
                 <a:t>변수명</a:t>
               </a:r>
               <a:r>
-                <a:rPr lang="en-US" altLang="ko-KR" dirty="0" smtClean="0"/>
+                <a:rPr lang="en-US" altLang="ko-KR" dirty="0"/>
                 <a:t>” value=“</a:t>
               </a:r>
               <a:r>
-                <a:rPr lang="ko-KR" altLang="en-US" dirty="0" err="1" smtClean="0"/>
+                <a:rPr lang="ko-KR" altLang="en-US" dirty="0" err="1"/>
                 <a:t>설정값</a:t>
               </a:r>
               <a:r>
-                <a:rPr lang="en-US" altLang="ko-KR" dirty="0" smtClean="0"/>
+                <a:rPr lang="en-US" altLang="ko-KR" dirty="0"/>
                 <a:t>” target=“</a:t>
               </a:r>
               <a:r>
-                <a:rPr lang="ko-KR" altLang="en-US" dirty="0" smtClean="0"/>
+                <a:rPr lang="ko-KR" altLang="en-US" dirty="0"/>
                 <a:t>객체</a:t>
               </a:r>
               <a:r>
-                <a:rPr lang="en-US" altLang="ko-KR" dirty="0" smtClean="0"/>
+                <a:rPr lang="en-US" altLang="ko-KR" dirty="0"/>
                 <a:t>” property=“</a:t>
               </a:r>
               <a:r>
-                <a:rPr lang="ko-KR" altLang="en-US" dirty="0" smtClean="0"/>
+                <a:rPr lang="ko-KR" altLang="en-US" dirty="0"/>
                 <a:t>값</a:t>
               </a:r>
               <a:r>
-                <a:rPr lang="en-US" altLang="ko-KR" dirty="0" smtClean="0"/>
+                <a:rPr lang="en-US" altLang="ko-KR" dirty="0"/>
                 <a:t>” scope=“</a:t>
               </a:r>
               <a:r>
-                <a:rPr lang="ko-KR" altLang="en-US" dirty="0" smtClean="0"/>
+                <a:rPr lang="ko-KR" altLang="en-US" dirty="0"/>
                 <a:t>범위</a:t>
               </a:r>
               <a:r>
-                <a:rPr lang="en-US" altLang="ko-KR" dirty="0" smtClean="0"/>
+                <a:rPr lang="en-US" altLang="ko-KR" dirty="0"/>
                 <a:t>”&gt;</a:t>
               </a:r>
               <a:endParaRPr lang="ko-KR" altLang="en-US" dirty="0"/>
@@ -8930,25 +8745,25 @@
             <a:lstStyle/>
             <a:p>
               <a:r>
-                <a:rPr lang="ko-KR" altLang="en-US" sz="1100" dirty="0" smtClean="0">
+                <a:rPr lang="ko-KR" altLang="en-US" sz="1100" dirty="0">
                   <a:latin typeface="+mn-ea"/>
                 </a:rPr>
                 <a:t>변수를 제거하는 태그 </a:t>
               </a:r>
               <a:r>
-                <a:rPr lang="en-US" altLang="ko-KR" sz="1100" dirty="0" smtClean="0">
+                <a:rPr lang="en-US" altLang="ko-KR" sz="1100" dirty="0">
                   <a:latin typeface="+mn-ea"/>
                 </a:rPr>
                 <a:t>: &lt;</a:t>
               </a:r>
               <a:r>
-                <a:rPr lang="en-US" altLang="ko-KR" sz="1100" dirty="0" err="1" smtClean="0">
+                <a:rPr lang="en-US" altLang="ko-KR" sz="1100" dirty="0" err="1">
                   <a:latin typeface="+mn-ea"/>
                 </a:rPr>
                 <a:t>c:remove</a:t>
               </a:r>
               <a:r>
-                <a:rPr lang="en-US" altLang="ko-KR" sz="1100" dirty="0" smtClean="0">
+                <a:rPr lang="en-US" altLang="ko-KR" sz="1100" dirty="0">
                   <a:latin typeface="+mn-ea"/>
                 </a:rPr>
                 <a:t>&gt;</a:t>
@@ -8992,39 +8807,39 @@
             <a:lstStyle/>
             <a:p>
               <a:r>
-                <a:rPr lang="en-US" altLang="ko-KR" dirty="0" smtClean="0"/>
+                <a:rPr lang="en-US" altLang="ko-KR" dirty="0"/>
                 <a:t>&lt;</a:t>
               </a:r>
               <a:r>
-                <a:rPr lang="en-US" altLang="ko-KR" dirty="0" err="1" smtClean="0"/>
+                <a:rPr lang="en-US" altLang="ko-KR" dirty="0" err="1"/>
                 <a:t>c:remove</a:t>
               </a:r>
               <a:r>
-                <a:rPr lang="en-US" altLang="ko-KR" dirty="0" smtClean="0"/>
+                <a:rPr lang="en-US" altLang="ko-KR" dirty="0"/>
                 <a:t> </a:t>
               </a:r>
               <a:r>
-                <a:rPr lang="en-US" altLang="ko-KR" dirty="0" err="1" smtClean="0"/>
+                <a:rPr lang="en-US" altLang="ko-KR" dirty="0" err="1"/>
                 <a:t>var</a:t>
               </a:r>
               <a:r>
-                <a:rPr lang="en-US" altLang="ko-KR" dirty="0" smtClean="0"/>
+                <a:rPr lang="en-US" altLang="ko-KR" dirty="0"/>
                 <a:t>=“</a:t>
               </a:r>
               <a:r>
-                <a:rPr lang="ko-KR" altLang="en-US" dirty="0" err="1" smtClean="0"/>
+                <a:rPr lang="ko-KR" altLang="en-US" dirty="0" err="1"/>
                 <a:t>변수명</a:t>
               </a:r>
               <a:r>
-                <a:rPr lang="en-US" altLang="ko-KR" dirty="0" smtClean="0"/>
+                <a:rPr lang="en-US" altLang="ko-KR" dirty="0"/>
                 <a:t>” scope=“</a:t>
               </a:r>
               <a:r>
-                <a:rPr lang="ko-KR" altLang="en-US" dirty="0" smtClean="0"/>
+                <a:rPr lang="ko-KR" altLang="en-US" dirty="0"/>
                 <a:t>범위</a:t>
               </a:r>
               <a:r>
-                <a:rPr lang="en-US" altLang="ko-KR" dirty="0" smtClean="0"/>
+                <a:rPr lang="en-US" altLang="ko-KR" dirty="0"/>
                 <a:t>”&gt;</a:t>
               </a:r>
               <a:endParaRPr lang="ko-KR" altLang="en-US" dirty="0"/>
@@ -9092,36 +8907,36 @@
             <a:lstStyle/>
             <a:p>
               <a:r>
-                <a:rPr lang="ko-KR" altLang="en-US" sz="1100" dirty="0" smtClean="0">
+                <a:rPr lang="ko-KR" altLang="en-US" sz="1100" dirty="0">
                   <a:latin typeface="+mn-ea"/>
                 </a:rPr>
                 <a:t>예외 처리 태그 </a:t>
               </a:r>
               <a:r>
-                <a:rPr lang="en-US" altLang="ko-KR" sz="1100" dirty="0" smtClean="0">
+                <a:rPr lang="en-US" altLang="ko-KR" sz="1100" dirty="0">
                   <a:latin typeface="+mn-ea"/>
                 </a:rPr>
                 <a:t>: &lt;</a:t>
               </a:r>
               <a:r>
-                <a:rPr lang="en-US" altLang="ko-KR" sz="1100" err="1" smtClean="0">
+                <a:rPr lang="en-US" altLang="ko-KR" sz="1100" err="1">
                   <a:latin typeface="+mn-ea"/>
                 </a:rPr>
                 <a:t>c:catch</a:t>
               </a:r>
               <a:r>
-                <a:rPr lang="en-US" altLang="ko-KR" sz="1100" smtClean="0">
+                <a:rPr lang="en-US" altLang="ko-KR" sz="1100">
                   <a:latin typeface="+mn-ea"/>
                 </a:rPr>
                 <a:t>&gt;  var</a:t>
               </a:r>
               <a:r>
-                <a:rPr lang="ko-KR" altLang="en-US" sz="1100" smtClean="0">
+                <a:rPr lang="ko-KR" altLang="en-US" sz="1100">
                   <a:latin typeface="+mn-ea"/>
                 </a:rPr>
                 <a:t>은 예외내용 저장 변수</a:t>
               </a:r>
-              <a:endParaRPr lang="en-US" altLang="ko-KR" sz="1100" dirty="0" smtClean="0">
+              <a:endParaRPr lang="en-US" altLang="ko-KR" sz="1100" dirty="0">
                 <a:latin typeface="+mn-ea"/>
               </a:endParaRPr>
             </a:p>
@@ -9163,43 +8978,43 @@
             <a:lstStyle/>
             <a:p>
               <a:r>
-                <a:rPr lang="en-US" altLang="ko-KR" dirty="0" smtClean="0"/>
+                <a:rPr lang="en-US" altLang="ko-KR" dirty="0"/>
                 <a:t>&lt;</a:t>
               </a:r>
               <a:r>
-                <a:rPr lang="en-US" altLang="ko-KR" dirty="0" err="1" smtClean="0"/>
+                <a:rPr lang="en-US" altLang="ko-KR" dirty="0" err="1"/>
                 <a:t>c:catch</a:t>
               </a:r>
               <a:r>
-                <a:rPr lang="en-US" altLang="ko-KR" dirty="0" smtClean="0"/>
+                <a:rPr lang="en-US" altLang="ko-KR" dirty="0"/>
                 <a:t> </a:t>
               </a:r>
               <a:r>
-                <a:rPr lang="en-US" altLang="ko-KR" dirty="0" err="1" smtClean="0"/>
+                <a:rPr lang="en-US" altLang="ko-KR" dirty="0" err="1"/>
                 <a:t>var</a:t>
               </a:r>
               <a:r>
-                <a:rPr lang="en-US" altLang="ko-KR" dirty="0" smtClean="0"/>
+                <a:rPr lang="en-US" altLang="ko-KR" dirty="0"/>
                 <a:t>=“</a:t>
               </a:r>
               <a:r>
-                <a:rPr lang="ko-KR" altLang="en-US" err="1" smtClean="0"/>
+                <a:rPr lang="ko-KR" altLang="en-US" err="1"/>
                 <a:t>변수명</a:t>
               </a:r>
               <a:r>
-                <a:rPr lang="en-US" altLang="ko-KR" smtClean="0"/>
+                <a:rPr lang="en-US" altLang="ko-KR"/>
                 <a:t>”&gt;</a:t>
               </a:r>
               <a:r>
-                <a:rPr lang="ko-KR" altLang="en-US" smtClean="0"/>
+                <a:rPr lang="ko-KR" altLang="en-US"/>
                 <a:t>에러 발생 가능 문</a:t>
               </a:r>
               <a:r>
-                <a:rPr lang="en-US" altLang="ko-KR" smtClean="0"/>
+                <a:rPr lang="en-US" altLang="ko-KR"/>
                 <a:t>&lt;/c:catch&gt; </a:t>
               </a:r>
               <a:r>
-                <a:rPr lang="ko-KR" altLang="en-US" smtClean="0"/>
+                <a:rPr lang="ko-KR" altLang="en-US"/>
                 <a:t>변수명은 에러 내역</a:t>
               </a:r>
               <a:endParaRPr lang="ko-KR" altLang="en-US" dirty="0"/>
@@ -9230,98 +9045,86 @@
           <a:lstStyle/>
           <a:p>
             <a:r>
-              <a:rPr lang="en-US" altLang="ko-KR" sz="1200" smtClean="0"/>
+              <a:rPr lang="en-US" altLang="ko-KR" sz="1200"/>
               <a:t>escapeXml</a:t>
             </a:r>
             <a:r>
-              <a:rPr lang="ko-KR" altLang="en-US" sz="1200" smtClean="0"/>
+              <a:rPr lang="ko-KR" altLang="en-US" sz="1200"/>
               <a:t>은 기본이  </a:t>
             </a:r>
             <a:r>
-              <a:rPr lang="en-US" altLang="ko-KR" sz="1200" smtClean="0"/>
+              <a:rPr lang="en-US" altLang="ko-KR" sz="1200"/>
               <a:t>true</a:t>
             </a:r>
             <a:r>
-              <a:rPr lang="ko-KR" altLang="en-US" sz="1200" smtClean="0"/>
+              <a:rPr lang="ko-KR" altLang="en-US" sz="1200"/>
               <a:t>이고 태그표시 문자 </a:t>
             </a:r>
             <a:r>
-              <a:rPr lang="en-US" altLang="ko-KR" sz="1200" smtClean="0"/>
-              <a:t>&lt;</a:t>
-            </a:r>
-            <a:r>
               <a:rPr lang="en-US" altLang="ko-KR" sz="1200"/>
-              <a:t>,</a:t>
-            </a:r>
-            <a:r>
-              <a:rPr lang="ko-KR" altLang="en-US" sz="1200" smtClean="0"/>
+              <a:t>&lt;,</a:t>
+            </a:r>
+            <a:r>
+              <a:rPr lang="ko-KR" altLang="en-US" sz="1200"/>
               <a:t> </a:t>
             </a:r>
             <a:r>
-              <a:rPr lang="en-US" altLang="ko-KR" sz="1200" smtClean="0"/>
+              <a:rPr lang="en-US" altLang="ko-KR" sz="1200"/>
               <a:t>&gt;</a:t>
             </a:r>
             <a:r>
-              <a:rPr lang="ko-KR" altLang="en-US" sz="1200" smtClean="0"/>
+              <a:rPr lang="ko-KR" altLang="en-US" sz="1200"/>
               <a:t>를</a:t>
             </a:r>
             <a:r>
-              <a:rPr lang="en-US" altLang="ko-KR" sz="1200" smtClean="0"/>
+              <a:rPr lang="en-US" altLang="ko-KR" sz="1200"/>
               <a:t> </a:t>
             </a:r>
             <a:r>
-              <a:rPr lang="ko-KR" altLang="en-US" sz="1200" smtClean="0"/>
+              <a:rPr lang="ko-KR" altLang="en-US" sz="1200"/>
               <a:t>문자로 처리하여  그대로 출력 </a:t>
             </a:r>
             <a:r>
-              <a:rPr lang="en-US" altLang="ko-KR" sz="1200" smtClean="0"/>
+              <a:rPr lang="en-US" altLang="ko-KR" sz="1200"/>
               <a:t>false</a:t>
             </a:r>
             <a:r>
-              <a:rPr lang="ko-KR" altLang="en-US" sz="1200" smtClean="0"/>
+              <a:rPr lang="ko-KR" altLang="en-US" sz="1200"/>
               <a:t>는 문자로 처리하지</a:t>
             </a:r>
             <a:r>
-              <a:rPr lang="ko-KR" altLang="en-US" smtClean="0"/>
+              <a:rPr lang="ko-KR" altLang="en-US"/>
               <a:t> </a:t>
             </a:r>
             <a:r>
-              <a:rPr lang="ko-KR" altLang="en-US" sz="1200" smtClean="0"/>
+              <a:rPr lang="ko-KR" altLang="en-US" sz="1200"/>
               <a:t>않고 태그로 처리하여 변환되어 나옴</a:t>
             </a:r>
-            <a:r>
-              <a:rPr lang="en-US" altLang="ko-KR" sz="1200" smtClean="0"/>
-              <a:t/>
-            </a:r>
             <a:br>
-              <a:rPr lang="en-US" altLang="ko-KR" sz="1200" smtClean="0"/>
+              <a:rPr lang="en-US" altLang="ko-KR" sz="1200"/>
             </a:br>
             <a:r>
-              <a:rPr lang="ko-KR" altLang="en-US" sz="1200" smtClean="0"/>
+              <a:rPr lang="ko-KR" altLang="en-US" sz="1200"/>
               <a:t>기본값은 </a:t>
             </a:r>
             <a:r>
-              <a:rPr lang="en-US" altLang="ko-KR" sz="1200" smtClean="0"/>
+              <a:rPr lang="en-US" altLang="ko-KR" sz="1200"/>
               <a:t>&lt;c:out&gt;</a:t>
             </a:r>
             <a:r>
-              <a:rPr lang="ko-KR" altLang="en-US" sz="1200" smtClean="0"/>
+              <a:rPr lang="ko-KR" altLang="en-US" sz="1200"/>
               <a:t>기본값</a:t>
             </a:r>
             <a:r>
-              <a:rPr lang="en-US" altLang="ko-KR" sz="1200" smtClean="0"/>
+              <a:rPr lang="en-US" altLang="ko-KR" sz="1200"/>
               <a:t>&lt;/c:out&gt;</a:t>
             </a:r>
             <a:r>
-              <a:rPr lang="ko-KR" altLang="en-US" sz="1200" smtClean="0"/>
+              <a:rPr lang="ko-KR" altLang="en-US" sz="1200"/>
               <a:t>로 표시해도 됨</a:t>
             </a:r>
-            <a:r>
-              <a:rPr lang="en-US" altLang="ko-KR" sz="1200" smtClean="0"/>
-              <a:t/>
-            </a:r>
             <a:br>
-              <a:rPr lang="en-US" altLang="ko-KR" sz="1200" smtClean="0"/>
+              <a:rPr lang="en-US" altLang="ko-KR" sz="1200"/>
             </a:br>
             <a:endParaRPr lang="ko-KR" altLang="en-US" sz="1200"/>
           </a:p>
@@ -9350,83 +9153,79 @@
           <a:lstStyle/>
           <a:p>
             <a:r>
-              <a:rPr lang="en-US" altLang="ko-KR" sz="1200" smtClean="0"/>
+              <a:rPr lang="en-US" altLang="ko-KR" sz="1200"/>
               <a:t>Target</a:t>
             </a:r>
             <a:r>
-              <a:rPr lang="ko-KR" altLang="en-US" sz="1200" smtClean="0"/>
+              <a:rPr lang="ko-KR" altLang="en-US" sz="1200"/>
               <a:t>은 </a:t>
             </a:r>
             <a:r>
-              <a:rPr lang="en-US" altLang="ko-KR" sz="1200" smtClean="0"/>
+              <a:rPr lang="en-US" altLang="ko-KR" sz="1200"/>
               <a:t>bean</a:t>
             </a:r>
             <a:r>
-              <a:rPr lang="ko-KR" altLang="en-US" sz="1200" smtClean="0"/>
+              <a:rPr lang="ko-KR" altLang="en-US" sz="1200"/>
               <a:t>일시 </a:t>
             </a:r>
             <a:r>
-              <a:rPr lang="en-US" altLang="ko-KR" sz="1200" smtClean="0"/>
+              <a:rPr lang="en-US" altLang="ko-KR" sz="1200"/>
               <a:t>bean</a:t>
             </a:r>
             <a:r>
-              <a:rPr lang="ko-KR" altLang="en-US" sz="1200" smtClean="0"/>
+              <a:rPr lang="ko-KR" altLang="en-US" sz="1200"/>
               <a:t>이름</a:t>
             </a:r>
             <a:r>
-              <a:rPr lang="en-US" altLang="ko-KR" sz="1200" smtClean="0"/>
+              <a:rPr lang="en-US" altLang="ko-KR" sz="1200"/>
               <a:t>,property</a:t>
             </a:r>
             <a:r>
-              <a:rPr lang="ko-KR" altLang="en-US" sz="1200" smtClean="0"/>
+              <a:rPr lang="ko-KR" altLang="en-US" sz="1200"/>
               <a:t>는 </a:t>
             </a:r>
             <a:r>
-              <a:rPr lang="en-US" altLang="ko-KR" sz="1200" smtClean="0"/>
+              <a:rPr lang="en-US" altLang="ko-KR" sz="1200"/>
               <a:t>bean</a:t>
             </a:r>
             <a:r>
-              <a:rPr lang="ko-KR" altLang="en-US" sz="1200" smtClean="0"/>
+              <a:rPr lang="ko-KR" altLang="en-US" sz="1200"/>
               <a:t>의 속성</a:t>
             </a:r>
             <a:r>
-              <a:rPr lang="en-US" altLang="ko-KR" sz="1200" smtClean="0"/>
+              <a:rPr lang="en-US" altLang="ko-KR" sz="1200"/>
               <a:t>, </a:t>
             </a:r>
             <a:r>
-              <a:rPr lang="ko-KR" altLang="en-US" sz="1200" smtClean="0"/>
+              <a:rPr lang="ko-KR" altLang="en-US" sz="1200"/>
               <a:t>외부에서</a:t>
             </a:r>
             <a:r>
-              <a:rPr lang="en-US" altLang="ko-KR" sz="1200" smtClean="0"/>
+              <a:rPr lang="en-US" altLang="ko-KR" sz="1200"/>
               <a:t> </a:t>
             </a:r>
             <a:r>
-              <a:rPr lang="ko-KR" altLang="en-US" sz="1200" smtClean="0"/>
+              <a:rPr lang="ko-KR" altLang="en-US" sz="1200"/>
               <a:t>선언된 변수를 </a:t>
             </a:r>
             <a:r>
-              <a:rPr lang="en-US" altLang="ko-KR" sz="1200" smtClean="0"/>
+              <a:rPr lang="en-US" altLang="ko-KR" sz="1200"/>
               <a:t>jstl</a:t>
             </a:r>
             <a:r>
-              <a:rPr lang="ko-KR" altLang="en-US" sz="1200" smtClean="0"/>
+              <a:rPr lang="ko-KR" altLang="en-US" sz="1200"/>
               <a:t>에서 사용하려면 </a:t>
             </a:r>
             <a:r>
-              <a:rPr lang="en-US" altLang="ko-KR" sz="1200" smtClean="0"/>
+              <a:rPr lang="en-US" altLang="ko-KR" sz="1200"/>
               <a:t>c:set</a:t>
             </a:r>
             <a:r>
-              <a:rPr lang="ko-KR" altLang="en-US" sz="1200" smtClean="0"/>
+              <a:rPr lang="ko-KR" altLang="en-US" sz="1200"/>
               <a:t>으로 변환뒤 사용</a:t>
             </a:r>
-            <a:r>
-              <a:rPr lang="en-US" altLang="ko-KR" sz="1200" smtClean="0"/>
-              <a:t/>
-            </a:r>
             <a:br>
-              <a:rPr lang="en-US" altLang="ko-KR" sz="1200" smtClean="0"/>
+              <a:rPr lang="en-US" altLang="ko-KR" sz="1200"/>
             </a:br>
             <a:endParaRPr lang="ko-KR" altLang="en-US" sz="1200"/>
           </a:p>
@@ -9442,13 +9241,6 @@
   <p:clrMapOvr>
     <a:masterClrMapping/>
   </p:clrMapOvr>
-  <p:timing>
-    <p:tnLst>
-      <p:par>
-        <p:cTn id="1" dur="indefinite" restart="never" nodeType="tmRoot"/>
-      </p:par>
-    </p:tnLst>
-  </p:timing>
 </p:sld>
 </file>
 
@@ -9492,7 +9284,7 @@
           <a:lstStyle/>
           <a:p>
             <a:r>
-              <a:rPr lang="en-US" altLang="ko-KR" sz="1600" b="1" kern="1200" dirty="0" smtClean="0">
+              <a:rPr lang="en-US" altLang="ko-KR" sz="1600" b="1" kern="1200" dirty="0">
                 <a:solidFill>
                   <a:schemeClr val="tx1"/>
                 </a:solidFill>
@@ -9503,7 +9295,7 @@
               <a:t>24-2.</a:t>
             </a:r>
             <a:r>
-              <a:rPr lang="en-US" altLang="ko-KR" sz="1600" b="1" kern="1200" baseline="0" dirty="0" smtClean="0">
+              <a:rPr lang="en-US" altLang="ko-KR" sz="1600" b="1" kern="1200" baseline="0" dirty="0">
                 <a:solidFill>
                   <a:schemeClr val="tx1"/>
                 </a:solidFill>
@@ -9514,7 +9306,7 @@
               <a:t> </a:t>
             </a:r>
             <a:r>
-              <a:rPr lang="en-US" altLang="ko-KR" sz="1600" dirty="0" smtClean="0">
+              <a:rPr lang="en-US" altLang="ko-KR" sz="1600" dirty="0">
                 <a:solidFill>
                   <a:schemeClr val="tx1">
                     <a:lumMod val="65000"/>
@@ -9526,7 +9318,7 @@
               <a:t>JSTL </a:t>
             </a:r>
             <a:r>
-              <a:rPr lang="ko-KR" altLang="en-US" sz="1600" dirty="0" smtClean="0">
+              <a:rPr lang="ko-KR" altLang="en-US" sz="1600" dirty="0">
                 <a:solidFill>
                   <a:schemeClr val="tx1">
                     <a:lumMod val="65000"/>
@@ -9620,9 +9412,9 @@
         <p:grpSpPr>
           <a:xfrm>
             <a:off x="809353" y="1098759"/>
-            <a:ext cx="10412101" cy="5476555"/>
+            <a:ext cx="10412101" cy="5693285"/>
             <a:chOff x="840785" y="1381445"/>
-            <a:chExt cx="10161322" cy="4645156"/>
+            <a:chExt cx="10161322" cy="4828984"/>
           </a:xfrm>
         </p:grpSpPr>
         <p:cxnSp>
@@ -9686,68 +9478,83 @@
             <a:lstStyle/>
             <a:p>
               <a:r>
-                <a:rPr lang="ko-KR" altLang="en-US" sz="1100" dirty="0" err="1" smtClean="0">
+                <a:rPr lang="ko-KR" altLang="en-US" sz="1100" dirty="0" err="1">
                   <a:latin typeface="+mn-ea"/>
                 </a:rPr>
                 <a:t>제어문</a:t>
               </a:r>
               <a:r>
-                <a:rPr lang="en-US" altLang="ko-KR" sz="1100" dirty="0" smtClean="0">
+                <a:rPr lang="en-US" altLang="ko-KR" sz="1100" dirty="0">
                   <a:latin typeface="+mn-ea"/>
                 </a:rPr>
                 <a:t>(if)</a:t>
               </a:r>
               <a:r>
-                <a:rPr lang="ko-KR" altLang="en-US" sz="1100" dirty="0" smtClean="0">
+                <a:rPr lang="ko-KR" altLang="en-US" sz="1100" dirty="0">
                   <a:latin typeface="+mn-ea"/>
                 </a:rPr>
                 <a:t> 태그 </a:t>
               </a:r>
               <a:r>
-                <a:rPr lang="en-US" altLang="ko-KR" sz="1100" dirty="0" smtClean="0">
+                <a:rPr lang="en-US" altLang="ko-KR" sz="1100" dirty="0">
                   <a:latin typeface="+mn-ea"/>
                 </a:rPr>
                 <a:t>: &lt;</a:t>
               </a:r>
               <a:r>
-                <a:rPr lang="en-US" altLang="ko-KR" sz="1100" err="1" smtClean="0">
+                <a:rPr lang="en-US" altLang="ko-KR" sz="1100" dirty="0" err="1">
                   <a:latin typeface="+mn-ea"/>
                 </a:rPr>
                 <a:t>c:if</a:t>
               </a:r>
               <a:r>
-                <a:rPr lang="en-US" altLang="ko-KR" sz="1100" smtClean="0">
+                <a:rPr lang="en-US" altLang="ko-KR" sz="1100" dirty="0">
                   <a:latin typeface="+mn-ea"/>
                 </a:rPr>
                 <a:t>&gt; </a:t>
               </a:r>
               <a:r>
-                <a:rPr lang="ko-KR" altLang="en-US" sz="1100" smtClean="0">
+                <a:rPr lang="ko-KR" altLang="en-US" sz="1100" dirty="0">
                   <a:latin typeface="+mn-ea"/>
                 </a:rPr>
                 <a:t>자바나</a:t>
               </a:r>
               <a:r>
-                <a:rPr lang="en-US" altLang="ko-KR" sz="1100" smtClean="0">
+                <a:rPr lang="en-US" altLang="ko-KR" sz="1100" dirty="0">
                   <a:latin typeface="+mn-ea"/>
                 </a:rPr>
-                <a:t> js</a:t>
-              </a:r>
-              <a:r>
-                <a:rPr lang="ko-KR" altLang="en-US" sz="1100" smtClean="0">
+                <a:t> </a:t>
+              </a:r>
+              <a:r>
+                <a:rPr lang="en-US" altLang="ko-KR" sz="1100" dirty="0" err="1">
+                  <a:latin typeface="+mn-ea"/>
+                </a:rPr>
+                <a:t>js</a:t>
+              </a:r>
+              <a:r>
+                <a:rPr lang="ko-KR" altLang="en-US" sz="1100" dirty="0">
                   <a:latin typeface="+mn-ea"/>
                 </a:rPr>
                 <a:t>의 </a:t>
               </a:r>
               <a:r>
-                <a:rPr lang="en-US" altLang="ko-KR" sz="1100" smtClean="0">
+                <a:rPr lang="en-US" altLang="ko-KR" sz="1100" dirty="0">
                   <a:latin typeface="+mn-ea"/>
                 </a:rPr>
-                <a:t>if()</a:t>
-              </a:r>
-              <a:endParaRPr lang="en-US" altLang="ko-KR" sz="1100" dirty="0" smtClean="0">
-                <a:latin typeface="+mn-ea"/>
-              </a:endParaRPr>
+                <a:t>if() (if</a:t>
+              </a:r>
+              <a:r>
+                <a:rPr lang="ko-KR" altLang="en-US" sz="1100" dirty="0">
+                  <a:latin typeface="+mn-ea"/>
+                </a:rPr>
+                <a:t>의 조건처리는 관계연산이나 논리연산을 사용하여 처리</a:t>
+              </a:r>
+              <a:r>
+                <a:rPr lang="en-US" altLang="ko-KR" sz="1100" dirty="0">
+                  <a:latin typeface="+mn-ea"/>
+                </a:rPr>
+                <a:t>)</a:t>
+              </a:r>
             </a:p>
           </p:txBody>
         </p:sp>
@@ -9787,51 +9594,51 @@
             <a:lstStyle/>
             <a:p>
               <a:r>
-                <a:rPr lang="en-US" altLang="ko-KR" dirty="0" smtClean="0"/>
+                <a:rPr lang="en-US" altLang="ko-KR" dirty="0"/>
                 <a:t>&lt;</a:t>
               </a:r>
               <a:r>
-                <a:rPr lang="en-US" altLang="ko-KR" dirty="0" err="1" smtClean="0"/>
+                <a:rPr lang="en-US" altLang="ko-KR" dirty="0" err="1"/>
                 <a:t>c:if</a:t>
               </a:r>
               <a:r>
-                <a:rPr lang="en-US" altLang="ko-KR" dirty="0" smtClean="0"/>
+                <a:rPr lang="en-US" altLang="ko-KR" dirty="0"/>
                 <a:t> test=“</a:t>
               </a:r>
               <a:r>
-                <a:rPr lang="ko-KR" altLang="en-US" dirty="0" smtClean="0"/>
+                <a:rPr lang="ko-KR" altLang="en-US" dirty="0"/>
                 <a:t>조건</a:t>
               </a:r>
               <a:r>
-                <a:rPr lang="en-US" altLang="ko-KR" dirty="0" smtClean="0"/>
+                <a:rPr lang="en-US" altLang="ko-KR" dirty="0"/>
                 <a:t>” </a:t>
               </a:r>
               <a:r>
-                <a:rPr lang="en-US" altLang="ko-KR" dirty="0" err="1" smtClean="0"/>
+                <a:rPr lang="en-US" altLang="ko-KR" dirty="0" err="1"/>
                 <a:t>var</a:t>
               </a:r>
               <a:r>
-                <a:rPr lang="en-US" altLang="ko-KR" dirty="0" smtClean="0"/>
+                <a:rPr lang="en-US" altLang="ko-KR" dirty="0"/>
                 <a:t>=“</a:t>
               </a:r>
               <a:r>
-                <a:rPr lang="ko-KR" altLang="en-US" smtClean="0"/>
+                <a:rPr lang="ko-KR" altLang="en-US"/>
                 <a:t>조건 처리 결과 </a:t>
               </a:r>
               <a:r>
-                <a:rPr lang="ko-KR" altLang="en-US" dirty="0" err="1" smtClean="0"/>
+                <a:rPr lang="ko-KR" altLang="en-US" dirty="0" err="1"/>
                 <a:t>변수명</a:t>
               </a:r>
               <a:r>
-                <a:rPr lang="en-US" altLang="ko-KR" dirty="0" smtClean="0"/>
+                <a:rPr lang="en-US" altLang="ko-KR" dirty="0"/>
                 <a:t>” scope=“</a:t>
               </a:r>
               <a:r>
-                <a:rPr lang="ko-KR" altLang="en-US" dirty="0" smtClean="0"/>
+                <a:rPr lang="ko-KR" altLang="en-US" dirty="0"/>
                 <a:t>범위</a:t>
               </a:r>
               <a:r>
-                <a:rPr lang="en-US" altLang="ko-KR" dirty="0" smtClean="0"/>
+                <a:rPr lang="en-US" altLang="ko-KR" dirty="0"/>
                 <a:t>”&gt;</a:t>
               </a:r>
               <a:endParaRPr lang="ko-KR" altLang="en-US" dirty="0"/>
@@ -9899,96 +9706,96 @@
             <a:lstStyle/>
             <a:p>
               <a:r>
-                <a:rPr lang="ko-KR" altLang="en-US" sz="1100" dirty="0" err="1" smtClean="0">
+                <a:rPr lang="ko-KR" altLang="en-US" sz="1100" dirty="0" err="1">
                   <a:latin typeface="+mn-ea"/>
                 </a:rPr>
                 <a:t>제어문</a:t>
               </a:r>
               <a:r>
-                <a:rPr lang="en-US" altLang="ko-KR" sz="1100" dirty="0" smtClean="0">
+                <a:rPr lang="en-US" altLang="ko-KR" sz="1100" dirty="0">
                   <a:latin typeface="+mn-ea"/>
                 </a:rPr>
                 <a:t>(</a:t>
               </a:r>
               <a:r>
-                <a:rPr lang="en-US" altLang="ko-KR" sz="1100" dirty="0" err="1" smtClean="0">
+                <a:rPr lang="en-US" altLang="ko-KR" sz="1100" dirty="0" err="1">
                   <a:latin typeface="+mn-ea"/>
                 </a:rPr>
                 <a:t>swich</a:t>
               </a:r>
               <a:r>
-                <a:rPr lang="en-US" altLang="ko-KR" sz="1100" dirty="0" smtClean="0">
+                <a:rPr lang="en-US" altLang="ko-KR" sz="1100" dirty="0">
                   <a:latin typeface="+mn-ea"/>
                 </a:rPr>
                 <a:t>)</a:t>
               </a:r>
               <a:r>
-                <a:rPr lang="ko-KR" altLang="en-US" sz="1100" dirty="0" smtClean="0">
+                <a:rPr lang="ko-KR" altLang="en-US" sz="1100" dirty="0">
                   <a:latin typeface="+mn-ea"/>
                 </a:rPr>
                 <a:t> 태그 </a:t>
               </a:r>
               <a:r>
-                <a:rPr lang="en-US" altLang="ko-KR" sz="1100" dirty="0" smtClean="0">
+                <a:rPr lang="en-US" altLang="ko-KR" sz="1100" dirty="0">
                   <a:latin typeface="+mn-ea"/>
                 </a:rPr>
                 <a:t>: &lt;</a:t>
               </a:r>
               <a:r>
-                <a:rPr lang="en-US" altLang="ko-KR" sz="1100" err="1" smtClean="0">
+                <a:rPr lang="en-US" altLang="ko-KR" sz="1100" err="1">
                   <a:latin typeface="+mn-ea"/>
                 </a:rPr>
                 <a:t>c:choose</a:t>
               </a:r>
               <a:r>
-                <a:rPr lang="en-US" altLang="ko-KR" sz="1100" smtClean="0">
+                <a:rPr lang="en-US" altLang="ko-KR" sz="1100">
                   <a:latin typeface="+mn-ea"/>
                 </a:rPr>
                 <a:t>&gt; java</a:t>
               </a:r>
               <a:r>
-                <a:rPr lang="ko-KR" altLang="en-US" sz="1100" smtClean="0">
+                <a:rPr lang="ko-KR" altLang="en-US" sz="1100">
                   <a:latin typeface="+mn-ea"/>
                 </a:rPr>
                 <a:t>나 </a:t>
               </a:r>
               <a:r>
-                <a:rPr lang="en-US" altLang="ko-KR" sz="1100" smtClean="0">
+                <a:rPr lang="en-US" altLang="ko-KR" sz="1100">
                   <a:latin typeface="+mn-ea"/>
                 </a:rPr>
                 <a:t>js</a:t>
               </a:r>
               <a:r>
-                <a:rPr lang="ko-KR" altLang="en-US" sz="1100" smtClean="0">
+                <a:rPr lang="ko-KR" altLang="en-US" sz="1100">
                   <a:latin typeface="+mn-ea"/>
                 </a:rPr>
                 <a:t>의 </a:t>
               </a:r>
               <a:r>
-                <a:rPr lang="en-US" altLang="ko-KR" sz="1100" smtClean="0">
+                <a:rPr lang="en-US" altLang="ko-KR" sz="1100">
                   <a:latin typeface="+mn-ea"/>
                 </a:rPr>
                 <a:t>if~else if ~ else</a:t>
               </a:r>
               <a:r>
-                <a:rPr lang="ko-KR" altLang="en-US" sz="1100" smtClean="0">
+                <a:rPr lang="ko-KR" altLang="en-US" sz="1100">
                   <a:latin typeface="+mn-ea"/>
                 </a:rPr>
                 <a:t>나 </a:t>
               </a:r>
               <a:r>
-                <a:rPr lang="en-US" altLang="ko-KR" sz="1100" smtClean="0">
+                <a:rPr lang="en-US" altLang="ko-KR" sz="1100">
                   <a:latin typeface="+mn-ea"/>
                 </a:rPr>
                 <a:t>switch</a:t>
               </a:r>
               <a:r>
-                <a:rPr lang="ko-KR" altLang="en-US" sz="1100" smtClean="0">
+                <a:rPr lang="ko-KR" altLang="en-US" sz="1100">
                   <a:latin typeface="+mn-ea"/>
                 </a:rPr>
                 <a:t>문</a:t>
               </a:r>
-              <a:endParaRPr lang="en-US" altLang="ko-KR" sz="1100" dirty="0" smtClean="0">
+              <a:endParaRPr lang="en-US" altLang="ko-KR" sz="1100" dirty="0">
                 <a:latin typeface="+mn-ea"/>
               </a:endParaRPr>
             </a:p>
@@ -10030,134 +9837,133 @@
             <a:lstStyle/>
             <a:p>
               <a:r>
-                <a:rPr lang="en-US" altLang="ko-KR" dirty="0" smtClean="0"/>
+                <a:rPr lang="en-US" altLang="ko-KR" dirty="0"/>
                 <a:t>&lt;</a:t>
               </a:r>
               <a:r>
-                <a:rPr lang="en-US" altLang="ko-KR" dirty="0" err="1" smtClean="0"/>
+                <a:rPr lang="en-US" altLang="ko-KR" dirty="0" err="1"/>
                 <a:t>c:choose</a:t>
               </a:r>
               <a:r>
-                <a:rPr lang="en-US" altLang="ko-KR" dirty="0" smtClean="0"/>
+                <a:rPr lang="en-US" altLang="ko-KR" dirty="0"/>
                 <a:t>&gt;</a:t>
               </a:r>
             </a:p>
             <a:p>
               <a:r>
-                <a:rPr lang="en-US" altLang="ko-KR" dirty="0" smtClean="0"/>
+                <a:rPr lang="en-US" altLang="ko-KR" dirty="0"/>
                 <a:t>&lt;</a:t>
               </a:r>
               <a:r>
-                <a:rPr lang="en-US" altLang="ko-KR" dirty="0" err="1" smtClean="0"/>
+                <a:rPr lang="en-US" altLang="ko-KR" dirty="0" err="1"/>
                 <a:t>c:when</a:t>
               </a:r>
               <a:r>
-                <a:rPr lang="en-US" altLang="ko-KR" dirty="0" smtClean="0"/>
+                <a:rPr lang="en-US" altLang="ko-KR" dirty="0"/>
                 <a:t> test=“</a:t>
               </a:r>
               <a:r>
-                <a:rPr lang="ko-KR" altLang="en-US" dirty="0" smtClean="0"/>
+                <a:rPr lang="ko-KR" altLang="en-US" dirty="0"/>
                 <a:t>조건</a:t>
               </a:r>
               <a:r>
-                <a:rPr lang="en-US" altLang="ko-KR" dirty="0" smtClean="0"/>
+                <a:rPr lang="en-US" altLang="ko-KR" dirty="0"/>
                 <a:t>”&gt; </a:t>
               </a:r>
               <a:r>
-                <a:rPr lang="ko-KR" altLang="en-US" dirty="0" smtClean="0"/>
+                <a:rPr lang="ko-KR" altLang="en-US" dirty="0"/>
                 <a:t>처리 내용 </a:t>
               </a:r>
               <a:r>
-                <a:rPr lang="en-US" altLang="ko-KR" dirty="0" smtClean="0"/>
+                <a:rPr lang="en-US" altLang="ko-KR" dirty="0"/>
                 <a:t>&lt;/</a:t>
               </a:r>
               <a:r>
-                <a:rPr lang="en-US" altLang="ko-KR" err="1" smtClean="0"/>
+                <a:rPr lang="en-US" altLang="ko-KR" err="1"/>
                 <a:t>c:when</a:t>
               </a:r>
               <a:r>
-                <a:rPr lang="en-US" altLang="ko-KR" smtClean="0"/>
+                <a:rPr lang="en-US" altLang="ko-KR"/>
                 <a:t>&gt;  //if </a:t>
               </a:r>
               <a:r>
-                <a:rPr lang="ko-KR" altLang="en-US" smtClean="0"/>
+                <a:rPr lang="ko-KR" altLang="en-US"/>
                 <a:t>또는</a:t>
               </a:r>
               <a:r>
-                <a:rPr lang="en-US" altLang="ko-KR" smtClean="0"/>
+                <a:rPr lang="en-US" altLang="ko-KR"/>
                 <a:t> else if</a:t>
               </a:r>
               <a:r>
-                <a:rPr lang="ko-KR" altLang="en-US" smtClean="0"/>
+                <a:rPr lang="ko-KR" altLang="en-US"/>
                 <a:t>역활</a:t>
               </a:r>
               <a:r>
-                <a:rPr lang="en-US" altLang="ko-KR" smtClean="0"/>
+                <a:rPr lang="en-US" altLang="ko-KR"/>
                 <a:t>, switch</a:t>
               </a:r>
               <a:r>
-                <a:rPr lang="ko-KR" altLang="en-US" smtClean="0"/>
+                <a:rPr lang="ko-KR" altLang="en-US"/>
                 <a:t>에서 </a:t>
               </a:r>
               <a:r>
-                <a:rPr lang="en-US" altLang="ko-KR" smtClean="0"/>
+                <a:rPr lang="en-US" altLang="ko-KR"/>
                 <a:t>case</a:t>
               </a:r>
-              <a:endParaRPr lang="en-US" altLang="ko-KR" dirty="0" smtClean="0"/>
+              <a:endParaRPr lang="en-US" altLang="ko-KR" dirty="0"/>
             </a:p>
             <a:p>
               <a:r>
-                <a:rPr lang="en-US" altLang="ko-KR" dirty="0" smtClean="0"/>
+                <a:rPr lang="en-US" altLang="ko-KR" dirty="0"/>
                 <a:t>&lt;</a:t>
               </a:r>
               <a:r>
-                <a:rPr lang="en-US" altLang="ko-KR" dirty="0" err="1" smtClean="0"/>
+                <a:rPr lang="en-US" altLang="ko-KR" dirty="0" err="1"/>
                 <a:t>c:otherwise</a:t>
               </a:r>
               <a:r>
-                <a:rPr lang="en-US" altLang="ko-KR" dirty="0" smtClean="0"/>
+                <a:rPr lang="en-US" altLang="ko-KR" dirty="0"/>
                 <a:t>&gt; </a:t>
               </a:r>
               <a:r>
-                <a:rPr lang="ko-KR" altLang="en-US" dirty="0" smtClean="0"/>
+                <a:rPr lang="ko-KR" altLang="en-US" dirty="0"/>
                 <a:t>처리 내용 </a:t>
               </a:r>
               <a:r>
-                <a:rPr lang="en-US" altLang="ko-KR" dirty="0" smtClean="0"/>
+                <a:rPr lang="en-US" altLang="ko-KR" dirty="0"/>
                 <a:t>&lt;/</a:t>
               </a:r>
               <a:r>
-                <a:rPr lang="en-US" altLang="ko-KR" err="1" smtClean="0"/>
+                <a:rPr lang="en-US" altLang="ko-KR" err="1"/>
                 <a:t>c:otherwise</a:t>
               </a:r>
               <a:r>
-                <a:rPr lang="en-US" altLang="ko-KR" smtClean="0"/>
+                <a:rPr lang="en-US" altLang="ko-KR"/>
                 <a:t>&gt; //else </a:t>
               </a:r>
               <a:r>
-                <a:rPr lang="ko-KR" altLang="en-US" smtClean="0"/>
+                <a:rPr lang="ko-KR" altLang="en-US"/>
                 <a:t>또는 </a:t>
               </a:r>
               <a:r>
-                <a:rPr lang="en-US" altLang="ko-KR" smtClean="0"/>
+                <a:rPr lang="en-US" altLang="ko-KR"/>
                 <a:t>default</a:t>
               </a:r>
-              <a:endParaRPr lang="en-US" altLang="ko-KR" dirty="0" smtClean="0"/>
+              <a:endParaRPr lang="en-US" altLang="ko-KR" dirty="0"/>
             </a:p>
             <a:p>
               <a:r>
-                <a:rPr lang="en-US" altLang="ko-KR" dirty="0" smtClean="0"/>
+                <a:rPr lang="en-US" altLang="ko-KR" dirty="0"/>
                 <a:t>&lt;/</a:t>
               </a:r>
               <a:r>
-                <a:rPr lang="en-US" altLang="ko-KR" dirty="0" err="1" smtClean="0"/>
+                <a:rPr lang="en-US" altLang="ko-KR" dirty="0" err="1"/>
                 <a:t>c:choose</a:t>
               </a:r>
               <a:r>
-                <a:rPr lang="en-US" altLang="ko-KR" dirty="0" smtClean="0"/>
+                <a:rPr lang="en-US" altLang="ko-KR" dirty="0"/>
                 <a:t>&gt;</a:t>
               </a:r>
-              <a:endParaRPr lang="en-US" altLang="ko-KR" dirty="0"/>
             </a:p>
           </p:txBody>
         </p:sp>
@@ -10208,7 +10014,7 @@
           <p:spPr>
             <a:xfrm>
               <a:off x="840785" y="4877433"/>
-              <a:ext cx="10161321" cy="261610"/>
+              <a:ext cx="10161321" cy="221895"/>
             </a:xfrm>
             <a:prstGeom prst="rect">
               <a:avLst/>
@@ -10222,40 +10028,64 @@
             <a:lstStyle/>
             <a:p>
               <a:r>
-                <a:rPr lang="ko-KR" altLang="en-US" sz="1100" dirty="0" smtClean="0">
+                <a:rPr lang="ko-KR" altLang="en-US" sz="1100" dirty="0">
                   <a:latin typeface="+mn-ea"/>
                 </a:rPr>
                 <a:t>반복 문</a:t>
               </a:r>
               <a:r>
-                <a:rPr lang="en-US" altLang="ko-KR" sz="1100" dirty="0" smtClean="0">
+                <a:rPr lang="en-US" altLang="ko-KR" sz="1100" dirty="0">
                   <a:latin typeface="+mn-ea"/>
                 </a:rPr>
                 <a:t>(for)</a:t>
               </a:r>
               <a:r>
-                <a:rPr lang="ko-KR" altLang="en-US" sz="1100" dirty="0" smtClean="0">
+                <a:rPr lang="ko-KR" altLang="en-US" sz="1100" dirty="0">
                   <a:latin typeface="+mn-ea"/>
                 </a:rPr>
                 <a:t> 태그 </a:t>
               </a:r>
               <a:r>
-                <a:rPr lang="en-US" altLang="ko-KR" sz="1100" dirty="0" smtClean="0">
+                <a:rPr lang="en-US" altLang="ko-KR" sz="1100" dirty="0">
                   <a:latin typeface="+mn-ea"/>
                 </a:rPr>
                 <a:t>: &lt;</a:t>
               </a:r>
               <a:r>
-                <a:rPr lang="en-US" altLang="ko-KR" sz="1100" dirty="0" err="1" smtClean="0">
+                <a:rPr lang="en-US" altLang="ko-KR" sz="1100" dirty="0" err="1">
                   <a:latin typeface="+mn-ea"/>
                 </a:rPr>
                 <a:t>c:forEach</a:t>
               </a:r>
               <a:r>
-                <a:rPr lang="en-US" altLang="ko-KR" sz="1100" dirty="0" smtClean="0">
+                <a:rPr lang="en-US" altLang="ko-KR" sz="1100" dirty="0">
                   <a:latin typeface="+mn-ea"/>
                 </a:rPr>
-                <a:t>&gt;</a:t>
+                <a:t>&gt; (java.js</a:t>
+              </a:r>
+              <a:r>
+                <a:rPr lang="ko-KR" altLang="en-US" sz="1100" dirty="0">
+                  <a:latin typeface="+mn-ea"/>
+                </a:rPr>
+                <a:t>의 </a:t>
+              </a:r>
+              <a:r>
+                <a:rPr lang="en-US" altLang="ko-KR" sz="1100" dirty="0">
+                  <a:latin typeface="+mn-ea"/>
+                </a:rPr>
+                <a:t>for, while </a:t>
+              </a:r>
+              <a:r>
+                <a:rPr lang="ko-KR" altLang="en-US" sz="1100" dirty="0">
+                  <a:latin typeface="+mn-ea"/>
+                </a:rPr>
+                <a:t>등의 반복 처리</a:t>
+              </a:r>
+              <a:r>
+                <a:rPr lang="en-US" altLang="ko-KR" sz="1100" dirty="0">
+                  <a:latin typeface="+mn-ea"/>
+                </a:rPr>
+                <a:t>)</a:t>
               </a:r>
             </a:p>
           </p:txBody>
@@ -10268,8 +10098,8 @@
           </p:nvSpPr>
           <p:spPr>
             <a:xfrm>
-              <a:off x="1063867" y="5254396"/>
-              <a:ext cx="8836270" cy="772205"/>
+              <a:off x="1063867" y="5254395"/>
+              <a:ext cx="8836270" cy="956034"/>
             </a:xfrm>
             <a:prstGeom prst="rect">
               <a:avLst/>
@@ -10296,127 +10126,154 @@
             <a:lstStyle/>
             <a:p>
               <a:r>
-                <a:rPr lang="en-US" altLang="ko-KR" sz="1600" dirty="0" smtClean="0"/>
+                <a:rPr lang="en-US" altLang="ko-KR" sz="1600" dirty="0"/>
                 <a:t>&lt;</a:t>
               </a:r>
               <a:r>
-                <a:rPr lang="en-US" altLang="ko-KR" sz="1600" dirty="0" err="1" smtClean="0"/>
+                <a:rPr lang="en-US" altLang="ko-KR" sz="1600" dirty="0" err="1"/>
                 <a:t>c:forEach</a:t>
               </a:r>
               <a:r>
-                <a:rPr lang="en-US" altLang="ko-KR" sz="1600" dirty="0" smtClean="0"/>
+                <a:rPr lang="en-US" altLang="ko-KR" sz="1600" dirty="0"/>
                 <a:t> items=“</a:t>
               </a:r>
               <a:r>
-                <a:rPr lang="ko-KR" altLang="en-US" sz="1600" dirty="0" err="1" smtClean="0"/>
+                <a:rPr lang="ko-KR" altLang="en-US" sz="1600" dirty="0" err="1"/>
                 <a:t>객체명</a:t>
               </a:r>
               <a:r>
-                <a:rPr lang="en-US" altLang="ko-KR" sz="1600" dirty="0" smtClean="0"/>
+                <a:rPr lang="en-US" altLang="ko-KR" sz="1600" dirty="0"/>
                 <a:t>” begin=“</a:t>
               </a:r>
               <a:r>
-                <a:rPr lang="ko-KR" altLang="en-US" sz="1600" dirty="0" smtClean="0"/>
+                <a:rPr lang="ko-KR" altLang="en-US" sz="1600" dirty="0"/>
                 <a:t>시작 인덱스</a:t>
               </a:r>
               <a:r>
-                <a:rPr lang="en-US" altLang="ko-KR" sz="1600" dirty="0" smtClean="0"/>
+                <a:rPr lang="en-US" altLang="ko-KR" sz="1600" dirty="0"/>
                 <a:t>” end=“</a:t>
               </a:r>
               <a:r>
-                <a:rPr lang="ko-KR" altLang="en-US" sz="1600" dirty="0" smtClean="0"/>
+                <a:rPr lang="ko-KR" altLang="en-US" sz="1600" dirty="0"/>
                 <a:t>끝 인덱스</a:t>
               </a:r>
               <a:r>
-                <a:rPr lang="en-US" altLang="ko-KR" sz="1600" dirty="0" smtClean="0"/>
+                <a:rPr lang="en-US" altLang="ko-KR" sz="1600" dirty="0"/>
                 <a:t>” step=“</a:t>
               </a:r>
               <a:r>
-                <a:rPr lang="ko-KR" altLang="en-US" sz="1600" dirty="0" err="1" smtClean="0"/>
+                <a:rPr lang="ko-KR" altLang="en-US" sz="1600" dirty="0" err="1"/>
                 <a:t>증감식</a:t>
               </a:r>
               <a:r>
-                <a:rPr lang="en-US" altLang="ko-KR" sz="1600" dirty="0" smtClean="0"/>
+                <a:rPr lang="en-US" altLang="ko-KR" sz="1600" dirty="0"/>
                 <a:t>” </a:t>
               </a:r>
               <a:r>
-                <a:rPr lang="en-US" altLang="ko-KR" sz="1600" dirty="0" err="1" smtClean="0"/>
+                <a:rPr lang="en-US" altLang="ko-KR" sz="1600" dirty="0" err="1"/>
                 <a:t>var</a:t>
               </a:r>
               <a:r>
-                <a:rPr lang="en-US" altLang="ko-KR" sz="1600" dirty="0" smtClean="0"/>
+                <a:rPr lang="en-US" altLang="ko-KR" sz="1600" dirty="0"/>
                 <a:t>=“</a:t>
               </a:r>
               <a:r>
-                <a:rPr lang="ko-KR" altLang="en-US" sz="1600" dirty="0" err="1" smtClean="0"/>
+                <a:rPr lang="ko-KR" altLang="en-US" sz="1600" dirty="0" err="1"/>
                 <a:t>변수명</a:t>
               </a:r>
               <a:r>
-                <a:rPr lang="en-US" altLang="ko-KR" sz="1600" dirty="0" smtClean="0"/>
+                <a:rPr lang="en-US" altLang="ko-KR" sz="1600" dirty="0"/>
                 <a:t>” </a:t>
               </a:r>
               <a:r>
-                <a:rPr lang="en-US" altLang="ko-KR" sz="1600" dirty="0" err="1" smtClean="0"/>
+                <a:rPr lang="en-US" altLang="ko-KR" sz="1600" dirty="0" err="1"/>
                 <a:t>varStatus</a:t>
               </a:r>
               <a:r>
-                <a:rPr lang="en-US" altLang="ko-KR" sz="1600" dirty="0" smtClean="0"/>
+                <a:rPr lang="en-US" altLang="ko-KR" sz="1600" dirty="0"/>
                 <a:t>=“</a:t>
               </a:r>
               <a:r>
-                <a:rPr lang="ko-KR" altLang="en-US" sz="1600" smtClean="0"/>
+                <a:rPr lang="ko-KR" altLang="en-US" sz="1600" dirty="0"/>
                 <a:t>상태변수</a:t>
               </a:r>
               <a:r>
-                <a:rPr lang="en-US" altLang="ko-KR" sz="1600" smtClean="0"/>
+                <a:rPr lang="en-US" altLang="ko-KR" sz="1600" dirty="0"/>
                 <a:t>”&gt; </a:t>
               </a:r>
-              <a:r>
-                <a:rPr lang="en-US" altLang="ko-KR" sz="1600"/>
-                <a:t/>
-              </a:r>
               <a:br>
-                <a:rPr lang="en-US" altLang="ko-KR" sz="1600"/>
+                <a:rPr lang="en-US" altLang="ko-KR" sz="1600" dirty="0"/>
               </a:br>
               <a:r>
-                <a:rPr lang="en-US" altLang="ko-KR" sz="1600" smtClean="0"/>
+                <a:rPr lang="en-US" altLang="ko-KR" sz="1600" dirty="0"/>
                 <a:t>var</a:t>
               </a:r>
               <a:r>
-                <a:rPr lang="ko-KR" altLang="en-US" sz="1600" smtClean="0"/>
+                <a:rPr lang="ko-KR" altLang="en-US" sz="1600" dirty="0"/>
                 <a:t>은 </a:t>
               </a:r>
               <a:r>
-                <a:rPr lang="en-US" altLang="ko-KR" sz="1600" smtClean="0"/>
+                <a:rPr lang="en-US" altLang="ko-KR" sz="1600" dirty="0"/>
                 <a:t>items</a:t>
               </a:r>
               <a:r>
-                <a:rPr lang="ko-KR" altLang="en-US" sz="1600" smtClean="0"/>
-                <a:t>의 해당 원소값</a:t>
-              </a:r>
-              <a:r>
-                <a:rPr lang="en-US" altLang="ko-KR" sz="1600" smtClean="0"/>
+                <a:rPr lang="ko-KR" altLang="en-US" sz="1600" dirty="0"/>
+                <a:t>의 해당 </a:t>
+              </a:r>
+              <a:r>
+                <a:rPr lang="ko-KR" altLang="en-US" sz="1600" dirty="0" err="1"/>
+                <a:t>원소값</a:t>
+              </a:r>
+              <a:r>
+                <a:rPr lang="en-US" altLang="ko-KR" sz="1600" dirty="0"/>
                 <a:t>(</a:t>
               </a:r>
               <a:r>
-                <a:rPr lang="ko-KR" altLang="en-US" sz="1600" smtClean="0"/>
+                <a:rPr lang="ko-KR" altLang="en-US" sz="1600" dirty="0"/>
                 <a:t>객체의 속성값</a:t>
               </a:r>
               <a:r>
-                <a:rPr lang="en-US" altLang="ko-KR" sz="1600" smtClean="0"/>
+                <a:rPr lang="en-US" altLang="ko-KR" sz="1600" dirty="0"/>
                 <a:t>)  </a:t>
               </a:r>
               <a:r>
-                <a:rPr lang="ko-KR" altLang="en-US" sz="1600"/>
+                <a:rPr lang="ko-KR" altLang="en-US" sz="1600" dirty="0"/>
                 <a:t> </a:t>
               </a:r>
               <a:r>
-                <a:rPr lang="en-US" altLang="ko-KR" sz="1600" smtClean="0"/>
+                <a:rPr lang="en-US" altLang="ko-KR" sz="1600" dirty="0" err="1"/>
                 <a:t>varStatus</a:t>
               </a:r>
               <a:r>
-                <a:rPr lang="ko-KR" altLang="en-US" sz="1600" smtClean="0"/>
+                <a:rPr lang="ko-KR" altLang="en-US" sz="1600" dirty="0"/>
                 <a:t>는 반복상태를 나타내는 변수 지정</a:t>
+              </a:r>
+              <a:endParaRPr lang="en-US" altLang="ko-KR" sz="1600" dirty="0"/>
+            </a:p>
+            <a:p>
+              <a:r>
+                <a:rPr lang="en-US" altLang="ko-KR" sz="1600" dirty="0"/>
+                <a:t>Items</a:t>
+              </a:r>
+              <a:r>
+                <a:rPr lang="ko-KR" altLang="en-US" sz="1600" dirty="0"/>
+                <a:t> 속성이 </a:t>
+              </a:r>
+              <a:r>
+                <a:rPr lang="ko-KR" altLang="en-US" sz="1600" dirty="0" err="1"/>
+                <a:t>없을시</a:t>
+              </a:r>
+              <a:r>
+                <a:rPr lang="ko-KR" altLang="en-US" sz="1600" dirty="0"/>
+                <a:t> </a:t>
+              </a:r>
+              <a:r>
+                <a:rPr lang="en-US" altLang="ko-KR" sz="1600" dirty="0"/>
+                <a:t>var </a:t>
+              </a:r>
+              <a:r>
+                <a:rPr lang="ko-KR" altLang="en-US" sz="1600" dirty="0"/>
+                <a:t>에는 반복변수로 사용</a:t>
               </a:r>
               <a:endParaRPr lang="en-US" altLang="ko-KR" sz="1600" dirty="0"/>
             </a:p>
@@ -10433,13 +10290,6 @@
   <p:clrMapOvr>
     <a:masterClrMapping/>
   </p:clrMapOvr>
-  <p:timing>
-    <p:tnLst>
-      <p:par>
-        <p:cTn id="1" dur="indefinite" restart="never" nodeType="tmRoot"/>
-      </p:par>
-    </p:tnLst>
-  </p:timing>
 </p:sld>
 </file>
 
@@ -10483,7 +10333,7 @@
           <a:lstStyle/>
           <a:p>
             <a:r>
-              <a:rPr lang="en-US" altLang="ko-KR" sz="1600" b="1" kern="1200" dirty="0" smtClean="0">
+              <a:rPr lang="en-US" altLang="ko-KR" sz="1600" b="1" kern="1200" dirty="0">
                 <a:solidFill>
                   <a:schemeClr val="tx1"/>
                 </a:solidFill>
@@ -10494,7 +10344,7 @@
               <a:t>24-2.</a:t>
             </a:r>
             <a:r>
-              <a:rPr lang="en-US" altLang="ko-KR" sz="1600" b="1" kern="1200" baseline="0" dirty="0" smtClean="0">
+              <a:rPr lang="en-US" altLang="ko-KR" sz="1600" b="1" kern="1200" baseline="0" dirty="0">
                 <a:solidFill>
                   <a:schemeClr val="tx1"/>
                 </a:solidFill>
@@ -10505,7 +10355,7 @@
               <a:t> </a:t>
             </a:r>
             <a:r>
-              <a:rPr lang="en-US" altLang="ko-KR" sz="1600" dirty="0" smtClean="0">
+              <a:rPr lang="en-US" altLang="ko-KR" sz="1600" dirty="0">
                 <a:solidFill>
                   <a:schemeClr val="tx1">
                     <a:lumMod val="65000"/>
@@ -10517,7 +10367,7 @@
               <a:t>JSTL </a:t>
             </a:r>
             <a:r>
-              <a:rPr lang="ko-KR" altLang="en-US" sz="1600" dirty="0" smtClean="0">
+              <a:rPr lang="ko-KR" altLang="en-US" sz="1600" dirty="0">
                 <a:solidFill>
                   <a:schemeClr val="tx1">
                     <a:lumMod val="65000"/>
@@ -10677,25 +10527,25 @@
             <a:lstStyle/>
             <a:p>
               <a:r>
-                <a:rPr lang="ko-KR" altLang="en-US" sz="1100" dirty="0" smtClean="0">
+                <a:rPr lang="ko-KR" altLang="en-US" sz="1100" dirty="0">
                   <a:latin typeface="+mn-ea"/>
                 </a:rPr>
                 <a:t>페이지 이동 태그 </a:t>
               </a:r>
               <a:r>
-                <a:rPr lang="en-US" altLang="ko-KR" sz="1100" dirty="0" smtClean="0">
+                <a:rPr lang="en-US" altLang="ko-KR" sz="1100" dirty="0">
                   <a:latin typeface="+mn-ea"/>
                 </a:rPr>
                 <a:t>: &lt;</a:t>
               </a:r>
               <a:r>
-                <a:rPr lang="en-US" altLang="ko-KR" sz="1100" dirty="0" err="1" smtClean="0">
+                <a:rPr lang="en-US" altLang="ko-KR" sz="1100" dirty="0" err="1">
                   <a:latin typeface="+mn-ea"/>
                 </a:rPr>
                 <a:t>c:redirect</a:t>
               </a:r>
               <a:r>
-                <a:rPr lang="en-US" altLang="ko-KR" sz="1100" dirty="0" smtClean="0">
+                <a:rPr lang="en-US" altLang="ko-KR" sz="1100" dirty="0">
                   <a:latin typeface="+mn-ea"/>
                 </a:rPr>
                 <a:t>&gt;</a:t>
@@ -10739,31 +10589,31 @@
             <a:lstStyle/>
             <a:p>
               <a:r>
-                <a:rPr lang="en-US" altLang="ko-KR" dirty="0" smtClean="0"/>
+                <a:rPr lang="en-US" altLang="ko-KR" dirty="0"/>
                 <a:t>&lt;</a:t>
               </a:r>
               <a:r>
-                <a:rPr lang="en-US" altLang="ko-KR" dirty="0" err="1" smtClean="0"/>
+                <a:rPr lang="en-US" altLang="ko-KR" dirty="0" err="1"/>
                 <a:t>c:redirect</a:t>
               </a:r>
               <a:r>
-                <a:rPr lang="en-US" altLang="ko-KR" dirty="0" smtClean="0"/>
+                <a:rPr lang="en-US" altLang="ko-KR" dirty="0"/>
                 <a:t> </a:t>
               </a:r>
               <a:r>
-                <a:rPr lang="en-US" altLang="ko-KR" dirty="0" err="1" smtClean="0"/>
+                <a:rPr lang="en-US" altLang="ko-KR" dirty="0" err="1"/>
                 <a:t>url</a:t>
               </a:r>
               <a:r>
-                <a:rPr lang="en-US" altLang="ko-KR" dirty="0" smtClean="0"/>
+                <a:rPr lang="en-US" altLang="ko-KR" dirty="0"/>
                 <a:t>=“</a:t>
               </a:r>
               <a:r>
-                <a:rPr lang="en-US" altLang="ko-KR" dirty="0" err="1" smtClean="0"/>
+                <a:rPr lang="en-US" altLang="ko-KR" dirty="0" err="1"/>
                 <a:t>url</a:t>
               </a:r>
               <a:r>
-                <a:rPr lang="en-US" altLang="ko-KR" dirty="0" smtClean="0"/>
+                <a:rPr lang="en-US" altLang="ko-KR" dirty="0"/>
                 <a:t>”&gt;</a:t>
               </a:r>
               <a:endParaRPr lang="ko-KR" altLang="en-US" dirty="0"/>
@@ -10831,31 +10681,31 @@
             <a:lstStyle/>
             <a:p>
               <a:r>
-                <a:rPr lang="ko-KR" altLang="en-US" sz="1100" dirty="0" err="1" smtClean="0">
+                <a:rPr lang="ko-KR" altLang="en-US" sz="1100" dirty="0" err="1">
                   <a:latin typeface="+mn-ea"/>
                 </a:rPr>
                 <a:t>파라미터</a:t>
               </a:r>
               <a:r>
-                <a:rPr lang="ko-KR" altLang="en-US" sz="1100" dirty="0" smtClean="0">
+                <a:rPr lang="ko-KR" altLang="en-US" sz="1100" dirty="0">
                   <a:latin typeface="+mn-ea"/>
                 </a:rPr>
                 <a:t> 전달 태그 </a:t>
               </a:r>
               <a:r>
-                <a:rPr lang="en-US" altLang="ko-KR" sz="1100" dirty="0" smtClean="0">
+                <a:rPr lang="en-US" altLang="ko-KR" sz="1100" dirty="0">
                   <a:latin typeface="+mn-ea"/>
                 </a:rPr>
                 <a:t>: &lt;</a:t>
               </a:r>
               <a:r>
-                <a:rPr lang="en-US" altLang="ko-KR" sz="1100" dirty="0" err="1" smtClean="0">
+                <a:rPr lang="en-US" altLang="ko-KR" sz="1100" dirty="0" err="1">
                   <a:latin typeface="+mn-ea"/>
                 </a:rPr>
                 <a:t>c:param</a:t>
               </a:r>
               <a:r>
-                <a:rPr lang="en-US" altLang="ko-KR" sz="1100" dirty="0" smtClean="0">
+                <a:rPr lang="en-US" altLang="ko-KR" sz="1100" dirty="0">
                   <a:latin typeface="+mn-ea"/>
                 </a:rPr>
                 <a:t>&gt;</a:t>
@@ -10899,34 +10749,33 @@
             <a:lstStyle/>
             <a:p>
               <a:r>
-                <a:rPr lang="en-US" altLang="ko-KR" dirty="0" smtClean="0"/>
+                <a:rPr lang="en-US" altLang="ko-KR" dirty="0"/>
                 <a:t>&lt;</a:t>
               </a:r>
               <a:r>
-                <a:rPr lang="en-US" altLang="ko-KR" dirty="0" err="1" smtClean="0"/>
+                <a:rPr lang="en-US" altLang="ko-KR" dirty="0" err="1"/>
                 <a:t>c:param</a:t>
               </a:r>
               <a:r>
-                <a:rPr lang="en-US" altLang="ko-KR" dirty="0" smtClean="0"/>
+                <a:rPr lang="en-US" altLang="ko-KR" dirty="0"/>
                 <a:t> name=“</a:t>
               </a:r>
               <a:r>
-                <a:rPr lang="ko-KR" altLang="en-US" dirty="0" err="1" smtClean="0"/>
+                <a:rPr lang="ko-KR" altLang="en-US" dirty="0" err="1"/>
                 <a:t>파라미터명</a:t>
               </a:r>
               <a:r>
-                <a:rPr lang="en-US" altLang="ko-KR" dirty="0" smtClean="0"/>
+                <a:rPr lang="en-US" altLang="ko-KR" dirty="0"/>
                 <a:t>” value=“</a:t>
               </a:r>
               <a:r>
-                <a:rPr lang="ko-KR" altLang="en-US" dirty="0" smtClean="0"/>
+                <a:rPr lang="ko-KR" altLang="en-US" dirty="0"/>
                 <a:t>값</a:t>
               </a:r>
               <a:r>
-                <a:rPr lang="en-US" altLang="ko-KR" dirty="0" smtClean="0"/>
+                <a:rPr lang="en-US" altLang="ko-KR" dirty="0"/>
                 <a:t>”&gt;</a:t>
               </a:r>
-              <a:endParaRPr lang="en-US" altLang="ko-KR" dirty="0"/>
             </a:p>
           </p:txBody>
         </p:sp>
@@ -10991,11 +10840,7 @@
           <a:p>
             <a:r>
               <a:rPr lang="en-US" altLang="ko-KR" b="1"/>
-              <a:t>&lt;c:choose</a:t>
-            </a:r>
-            <a:r>
-              <a:rPr lang="en-US" altLang="ko-KR" b="1" smtClean="0"/>
-              <a:t>&gt;</a:t>
+              <a:t>&lt;c:choose&gt;</a:t>
             </a:r>
             <a:endParaRPr lang="en-US" altLang="ko-KR"/>
           </a:p>
@@ -11032,11 +10877,7 @@
             </a:br>
             <a:r>
               <a:rPr lang="en-US" altLang="ko-KR" b="1"/>
-              <a:t>    &lt;/c:when</a:t>
-            </a:r>
-            <a:r>
-              <a:rPr lang="en-US" altLang="ko-KR" b="1" smtClean="0"/>
-              <a:t>&gt;</a:t>
+              <a:t>    &lt;/c:when&gt;</a:t>
             </a:r>
             <a:endParaRPr lang="en-US" altLang="ko-KR"/>
           </a:p>
@@ -11073,11 +10914,7 @@
             </a:br>
             <a:r>
               <a:rPr lang="en-US" altLang="ko-KR" b="1"/>
-              <a:t>    &lt;/c:when</a:t>
-            </a:r>
-            <a:r>
-              <a:rPr lang="en-US" altLang="ko-KR" b="1" smtClean="0"/>
-              <a:t>&gt;</a:t>
+              <a:t>    &lt;/c:when&gt;</a:t>
             </a:r>
           </a:p>
           <a:p>
@@ -11105,15 +10942,7 @@
             </a:r>
             <a:r>
               <a:rPr lang="en-US" altLang="ko-KR" b="1"/>
-              <a:t>&lt;/c:otherwise</a:t>
-            </a:r>
-            <a:r>
-              <a:rPr lang="en-US" altLang="ko-KR" b="1" smtClean="0"/>
-              <a:t>&gt;</a:t>
-            </a:r>
-            <a:r>
-              <a:rPr lang="en-US" altLang="ko-KR" b="1"/>
-              <a:t/>
+              <a:t>&lt;/c:otherwise&gt;</a:t>
             </a:r>
             <a:br>
               <a:rPr lang="en-US" altLang="ko-KR" b="1"/>
@@ -11125,17 +10954,9 @@
             <a:endParaRPr lang="en-US" altLang="ko-KR"/>
           </a:p>
           <a:p>
-            <a:r>
-              <a:rPr lang="en-US" altLang="ko-KR"/>
-              <a:t/>
-            </a:r>
             <a:br>
               <a:rPr lang="en-US" altLang="ko-KR"/>
             </a:br>
-            <a:r>
-              <a:rPr lang="en-US" altLang="ko-KR"/>
-              <a:t/>
-            </a:r>
             <a:br>
               <a:rPr lang="en-US" altLang="ko-KR"/>
             </a:br>
@@ -11179,13 +11000,6 @@
   <p:clrMapOvr>
     <a:masterClrMapping/>
   </p:clrMapOvr>
-  <p:timing>
-    <p:tnLst>
-      <p:par>
-        <p:cTn id="1" dur="indefinite" restart="never" nodeType="tmRoot"/>
-      </p:par>
-    </p:tnLst>
-  </p:timing>
 </p:sld>
 </file>
 
